--- a/raw/Processo Seletivo - Engenheiro de Dados - Eleflow.pptx
+++ b/raw/Processo Seletivo - Engenheiro de Dados - Eleflow.pptx
@@ -1590,7 +1590,7 @@
                 <a:tab algn="l" pos="0"/>
               </a:tabLst>
             </a:pPr>
-            <a:fld id="{C015AD10-5BCE-4102-84B9-5B689E790B96}" type="slidenum">
+            <a:fld id="{AAE97553-8780-4AF3-892D-32E825EE1685}" type="slidenum">
               <a:rPr b="0" lang="en-US" sz="1200" spc="-1" strike="noStrike">
                 <a:solidFill>
                   <a:srgbClr val="888888"/>
@@ -2897,6 +2897,45 @@
               </a:rPr>
               <a:t>Utilize esse espaço para resolver o desafio. </a:t>
             </a:r>
+            <a:endParaRPr b="0" lang="pt-BR" sz="2100" spc="-1" strike="noStrike">
+              <a:latin typeface="Arial"/>
+            </a:endParaRPr>
+          </a:p>
+          <a:p>
+            <a:pPr>
+              <a:lnSpc>
+                <a:spcPct val="140000"/>
+              </a:lnSpc>
+              <a:tabLst>
+                <a:tab algn="l" pos="0"/>
+              </a:tabLst>
+            </a:pPr>
+            <a:endParaRPr b="0" lang="pt-BR" sz="2100" spc="-1" strike="noStrike">
+              <a:latin typeface="Arial"/>
+            </a:endParaRPr>
+          </a:p>
+          <a:p>
+            <a:pPr>
+              <a:lnSpc>
+                <a:spcPct val="140000"/>
+              </a:lnSpc>
+              <a:tabLst>
+                <a:tab algn="l" pos="0"/>
+              </a:tabLst>
+            </a:pPr>
+            <a:endParaRPr b="0" lang="pt-BR" sz="2100" spc="-1" strike="noStrike">
+              <a:latin typeface="Arial"/>
+            </a:endParaRPr>
+          </a:p>
+          <a:p>
+            <a:pPr>
+              <a:lnSpc>
+                <a:spcPct val="140000"/>
+              </a:lnSpc>
+              <a:tabLst>
+                <a:tab algn="l" pos="0"/>
+              </a:tabLst>
+            </a:pPr>
             <a:endParaRPr b="0" lang="pt-BR" sz="2100" spc="-1" strike="noStrike">
               <a:latin typeface="Arial"/>
             </a:endParaRPr>
@@ -6915,7 +6954,7 @@
                 <a:latin typeface="Montserrat"/>
                 <a:ea typeface="Montserrat"/>
               </a:rPr>
-              <a:t>R: O SSMA poderia ser usado se o servidor Oracle possui-se acesso de escrita, porém sem o acesso o Data Factory é mais interessante, pois não necessita do acesso de escrita e possibilita cópia paralela entre os databases.</a:t>
+              <a:t>R: O SSMA poderia ser usado se o servidor Oracle possui-se acesso de escrita porque precisa de acesso para instalação de extensões, porém sem o acesso o Data Factory é mais interessante, pois não necessita do acesso de escrita e possibilita cópia paralela entre os databases.</a:t>
             </a:r>
             <a:endParaRPr b="0" lang="pt-BR" sz="2100" spc="-1" strike="noStrike">
               <a:latin typeface="Arial"/>
@@ -7518,7 +7557,7 @@
                 <a:latin typeface="Montserrat"/>
                 <a:ea typeface="Montserrat"/>
               </a:rPr>
-              <a:t>R: Em termos de performance o cross join é o menos recomendado pois executa uma comparação NxN.</a:t>
+              <a:t>R: Em termos de performance o cross join é o menos recomendado, pois executa uma comparação NxN.</a:t>
             </a:r>
             <a:endParaRPr b="0" lang="pt-BR" sz="2100" spc="-1" strike="noStrike">
               <a:latin typeface="Arial"/>
@@ -7903,7 +7942,7 @@
                 <a:latin typeface="Montserrat"/>
                 <a:ea typeface="Montserrat"/>
               </a:rPr>
-              <a:t>R: Dados estruturados são organizado de forma rígida com estruturas previamente definidas e planejadas para o armazenamento, enquanto dados não estruturados são flexíveis e não dependem de uma estrutura rígida ou predefinida, dados estruturados podem ser armazenados em SGDBs como PostgreSQL, MYSQL ou SQL Server, porém dados não estruturados podem ser armazenados em Object Storages como HDFS e o Azure Blob Storage. Existem ainda os dados semi estruturados que possuem estruturas dinâmicas ou esquemas predefinidos porém flexíveis que podem ser armazenados como dados não estruturados ou  em sistemas como MongoDB, ElasticSearch ou o Azure CosmosDB sendo estes bancos de dados não relacionais também conhecidos pela sigla NoSQL.</a:t>
+              <a:t>R: Dados estruturados são organizados de forma rígida com estruturas previamente definidas e planejadas para o armazenamento, enquanto dados não estruturados são flexíveis e não dependem de uma estrutura rígida ou predefinida, dados estruturados podem ser armazenados em SGDBs como PostgreSQL, MYSQL ou SQL Server, porém dados não estruturados podem ser armazenados em Object Storages como HDFS e o Azure Blob Storage. Existem ainda os dados semi estruturados que possuem estruturas dinâmicas ou esquemas predefinidos porém, flexíveis que podem ser armazenados como dados não estruturados ou  em sistemas como MongoDB, ElasticSearch ou o Azure CosmosDB sendo estes bancos de dados não relacionais também conhecidos pela sigla NoSQL.</a:t>
             </a:r>
             <a:endParaRPr b="0" lang="pt-BR" sz="2100" spc="-1" strike="noStrike">
               <a:latin typeface="Arial"/>

--- a/raw/Processo Seletivo - Engenheiro de Dados - Eleflow.pptx
+++ b/raw/Processo Seletivo - Engenheiro de Dados - Eleflow.pptx
@@ -1590,7 +1590,7 @@
                 <a:tab algn="l" pos="0"/>
               </a:tabLst>
             </a:pPr>
-            <a:fld id="{AAE97553-8780-4AF3-892D-32E825EE1685}" type="slidenum">
+            <a:fld id="{2F57EA69-8F62-42A6-BA8E-E6C4AE29C40F}" type="slidenum">
               <a:rPr b="0" lang="en-US" sz="1200" spc="-1" strike="noStrike">
                 <a:solidFill>
                   <a:srgbClr val="888888"/>
@@ -2923,6 +2923,27 @@
                 <a:tab algn="l" pos="0"/>
               </a:tabLst>
             </a:pPr>
+            <a:r>
+              <a:rPr b="0" lang="pt-BR" sz="2100" spc="-1" strike="noStrike">
+                <a:solidFill>
+                  <a:srgbClr val="818285"/>
+                </a:solidFill>
+                <a:latin typeface="Montserrat"/>
+                <a:ea typeface="Montserrat"/>
+              </a:rPr>
+              <a:t>Repositório contendo notebooks com a solução dos desafios: </a:t>
+            </a:r>
+            <a:r>
+              <a:rPr b="0" lang="pt-BR" sz="2100" spc="-1" strike="noStrike">
+                <a:solidFill>
+                  <a:srgbClr val="818285"/>
+                </a:solidFill>
+                <a:latin typeface="Montserrat"/>
+                <a:ea typeface="Montserrat"/>
+                <a:hlinkClick r:id="rId2"/>
+              </a:rPr>
+              <a:t>https://github.com/RCristiano/eleflow</a:t>
+            </a:r>
             <a:endParaRPr b="0" lang="pt-BR" sz="2100" spc="-1" strike="noStrike">
               <a:latin typeface="Arial"/>
             </a:endParaRPr>
@@ -2936,6 +2957,122 @@
                 <a:tab algn="l" pos="0"/>
               </a:tabLst>
             </a:pPr>
+            <a:endParaRPr b="0" lang="pt-BR" sz="2100" spc="-1" strike="noStrike">
+              <a:latin typeface="Arial"/>
+            </a:endParaRPr>
+          </a:p>
+          <a:p>
+            <a:pPr>
+              <a:lnSpc>
+                <a:spcPct val="140000"/>
+              </a:lnSpc>
+              <a:tabLst>
+                <a:tab algn="l" pos="0"/>
+              </a:tabLst>
+            </a:pPr>
+            <a:r>
+              <a:rPr b="0" lang="pt-BR" sz="2100" spc="-1" strike="noStrike">
+                <a:solidFill>
+                  <a:srgbClr val="818285"/>
+                </a:solidFill>
+                <a:latin typeface="Montserrat"/>
+                <a:ea typeface="Montserrat"/>
+              </a:rPr>
+              <a:t>O arquivo carga.ipynb possui o processo de ingestão dos dados dos arquivos xlsx para um servidor PostgreSQL que pode ser testado utilizando o docker-compose.</a:t>
+            </a:r>
+            <a:endParaRPr b="0" lang="pt-BR" sz="2100" spc="-1" strike="noStrike">
+              <a:latin typeface="Arial"/>
+            </a:endParaRPr>
+          </a:p>
+          <a:p>
+            <a:pPr>
+              <a:lnSpc>
+                <a:spcPct val="140000"/>
+              </a:lnSpc>
+              <a:tabLst>
+                <a:tab algn="l" pos="0"/>
+              </a:tabLst>
+            </a:pPr>
+            <a:endParaRPr b="0" lang="pt-BR" sz="2100" spc="-1" strike="noStrike">
+              <a:latin typeface="Arial"/>
+            </a:endParaRPr>
+          </a:p>
+          <a:p>
+            <a:pPr>
+              <a:lnSpc>
+                <a:spcPct val="140000"/>
+              </a:lnSpc>
+              <a:tabLst>
+                <a:tab algn="l" pos="0"/>
+              </a:tabLst>
+            </a:pPr>
+            <a:r>
+              <a:rPr b="0" lang="pt-BR" sz="2100" spc="-1" strike="noStrike">
+                <a:solidFill>
+                  <a:srgbClr val="818285"/>
+                </a:solidFill>
+                <a:latin typeface="Montserrat"/>
+                <a:ea typeface="Montserrat"/>
+              </a:rPr>
+              <a:t>Exite um arquivo docker-compose.yml que contem a configuração para criar um container com o PostgreSQL e o PGAdmin4 para a visualização dos dados que podem ser executados com:</a:t>
+            </a:r>
+            <a:br/>
+            <a:r>
+              <a:rPr b="0" lang="pt-BR" sz="2100" spc="-1" strike="noStrike">
+                <a:solidFill>
+                  <a:srgbClr val="818285"/>
+                </a:solidFill>
+                <a:latin typeface="Montserrat"/>
+                <a:ea typeface="Montserrat"/>
+              </a:rPr>
+              <a:t>	</a:t>
+            </a:r>
+            <a:r>
+              <a:rPr b="0" lang="pt-BR" sz="2100" spc="-1" strike="noStrike">
+                <a:solidFill>
+                  <a:srgbClr val="818285"/>
+                </a:solidFill>
+                <a:latin typeface="Montserrat"/>
+                <a:ea typeface="Montserrat"/>
+              </a:rPr>
+              <a:t>- docker-compose up -d</a:t>
+            </a:r>
+            <a:endParaRPr b="0" lang="pt-BR" sz="2100" spc="-1" strike="noStrike">
+              <a:latin typeface="Arial"/>
+            </a:endParaRPr>
+          </a:p>
+          <a:p>
+            <a:pPr>
+              <a:lnSpc>
+                <a:spcPct val="140000"/>
+              </a:lnSpc>
+              <a:tabLst>
+                <a:tab algn="l" pos="0"/>
+              </a:tabLst>
+            </a:pPr>
+            <a:endParaRPr b="0" lang="pt-BR" sz="2100" spc="-1" strike="noStrike">
+              <a:latin typeface="Arial"/>
+            </a:endParaRPr>
+          </a:p>
+          <a:p>
+            <a:pPr>
+              <a:lnSpc>
+                <a:spcPct val="140000"/>
+              </a:lnSpc>
+              <a:tabLst>
+                <a:tab algn="l" pos="0"/>
+              </a:tabLst>
+            </a:pPr>
+            <a:r>
+              <a:rPr b="0" lang="pt-BR" sz="2100" spc="-1" strike="noStrike">
+                <a:solidFill>
+                  <a:srgbClr val="818285"/>
+                </a:solidFill>
+                <a:latin typeface="Montserrat"/>
+                <a:ea typeface="Montserrat"/>
+              </a:rPr>
+              <a:t>O arquivo exploracao.ipynb possui a analise e respostas do desafio</a:t>
+            </a:r>
             <a:endParaRPr b="0" lang="pt-BR" sz="2100" spc="-1" strike="noStrike">
               <a:latin typeface="Arial"/>
             </a:endParaRPr>

--- a/raw/Processo Seletivo - Engenheiro de Dados - Eleflow.pptx
+++ b/raw/Processo Seletivo - Engenheiro de Dados - Eleflow.pptx
@@ -22,7 +22,7 @@
     <p:sldId id="270" r:id="rId17"/>
   </p:sldIdLst>
   <p:sldSz cx="18288000" cy="10287000"/>
-  <p:notesSz cx="6858000" cy="9144000"/>
+  <p:notesSz cx="7559675" cy="10691812"/>
 </p:presentation>
 </file>
 
@@ -67,7 +67,7 @@
       </p:grpSpPr>
       <p:sp>
         <p:nvSpPr>
-          <p:cNvPr id="26" name="PlaceHolder 1"/>
+          <p:cNvPr id="23" name="PlaceHolder 1"/>
           <p:cNvSpPr>
             <a:spLocks noGrp="1"/>
           </p:cNvSpPr>
@@ -89,10 +89,8 @@
             <a:noAutofit/>
           </a:bodyPr>
           <a:p>
-            <a:endParaRPr b="0" lang="pt-BR" sz="1400" spc="-1" strike="noStrike">
-              <a:solidFill>
-                <a:srgbClr val="000000"/>
-              </a:solidFill>
+            <a:pPr algn="ctr"/>
+            <a:endParaRPr b="0" lang="pt-BR" sz="4400" spc="-1" strike="noStrike">
               <a:latin typeface="Arial"/>
             </a:endParaRPr>
           </a:p>
@@ -100,7 +98,7 @@
       </p:sp>
       <p:sp>
         <p:nvSpPr>
-          <p:cNvPr id="27" name="PlaceHolder 2"/>
+          <p:cNvPr id="24" name="PlaceHolder 2"/>
           <p:cNvSpPr>
             <a:spLocks noGrp="1"/>
           </p:cNvSpPr>
@@ -122,10 +120,7 @@
             <a:normAutofit/>
           </a:bodyPr>
           <a:p>
-            <a:endParaRPr b="0" lang="pt-BR" sz="1400" spc="-1" strike="noStrike">
-              <a:solidFill>
-                <a:srgbClr val="000000"/>
-              </a:solidFill>
+            <a:endParaRPr b="0" lang="pt-BR" sz="3200" spc="-1" strike="noStrike">
               <a:latin typeface="Arial"/>
             </a:endParaRPr>
           </a:p>
@@ -133,7 +128,7 @@
       </p:sp>
       <p:sp>
         <p:nvSpPr>
-          <p:cNvPr id="28" name="PlaceHolder 3"/>
+          <p:cNvPr id="25" name="PlaceHolder 3"/>
           <p:cNvSpPr>
             <a:spLocks noGrp="1"/>
           </p:cNvSpPr>
@@ -155,10 +150,7 @@
             <a:normAutofit/>
           </a:bodyPr>
           <a:p>
-            <a:endParaRPr b="0" lang="pt-BR" sz="1400" spc="-1" strike="noStrike">
-              <a:solidFill>
-                <a:srgbClr val="000000"/>
-              </a:solidFill>
+            <a:endParaRPr b="0" lang="pt-BR" sz="3200" spc="-1" strike="noStrike">
               <a:latin typeface="Arial"/>
             </a:endParaRPr>
           </a:p>
@@ -188,7 +180,7 @@
       </p:grpSpPr>
       <p:sp>
         <p:nvSpPr>
-          <p:cNvPr id="29" name="PlaceHolder 1"/>
+          <p:cNvPr id="26" name="PlaceHolder 1"/>
           <p:cNvSpPr>
             <a:spLocks noGrp="1"/>
           </p:cNvSpPr>
@@ -210,10 +202,8 @@
             <a:noAutofit/>
           </a:bodyPr>
           <a:p>
-            <a:endParaRPr b="0" lang="pt-BR" sz="1400" spc="-1" strike="noStrike">
-              <a:solidFill>
-                <a:srgbClr val="000000"/>
-              </a:solidFill>
+            <a:pPr algn="ctr"/>
+            <a:endParaRPr b="0" lang="pt-BR" sz="4400" spc="-1" strike="noStrike">
               <a:latin typeface="Arial"/>
             </a:endParaRPr>
           </a:p>
@@ -221,7 +211,7 @@
       </p:sp>
       <p:sp>
         <p:nvSpPr>
-          <p:cNvPr id="30" name="PlaceHolder 2"/>
+          <p:cNvPr id="27" name="PlaceHolder 2"/>
           <p:cNvSpPr>
             <a:spLocks noGrp="1"/>
           </p:cNvSpPr>
@@ -243,10 +233,7 @@
             <a:normAutofit/>
           </a:bodyPr>
           <a:p>
-            <a:endParaRPr b="0" lang="pt-BR" sz="1400" spc="-1" strike="noStrike">
-              <a:solidFill>
-                <a:srgbClr val="000000"/>
-              </a:solidFill>
+            <a:endParaRPr b="0" lang="pt-BR" sz="3200" spc="-1" strike="noStrike">
               <a:latin typeface="Arial"/>
             </a:endParaRPr>
           </a:p>
@@ -254,7 +241,7 @@
       </p:sp>
       <p:sp>
         <p:nvSpPr>
-          <p:cNvPr id="31" name="PlaceHolder 3"/>
+          <p:cNvPr id="28" name="PlaceHolder 3"/>
           <p:cNvSpPr>
             <a:spLocks noGrp="1"/>
           </p:cNvSpPr>
@@ -276,10 +263,7 @@
             <a:normAutofit/>
           </a:bodyPr>
           <a:p>
-            <a:endParaRPr b="0" lang="pt-BR" sz="1400" spc="-1" strike="noStrike">
-              <a:solidFill>
-                <a:srgbClr val="000000"/>
-              </a:solidFill>
+            <a:endParaRPr b="0" lang="pt-BR" sz="3200" spc="-1" strike="noStrike">
               <a:latin typeface="Arial"/>
             </a:endParaRPr>
           </a:p>
@@ -287,7 +271,7 @@
       </p:sp>
       <p:sp>
         <p:nvSpPr>
-          <p:cNvPr id="32" name="PlaceHolder 4"/>
+          <p:cNvPr id="29" name="PlaceHolder 4"/>
           <p:cNvSpPr>
             <a:spLocks noGrp="1"/>
           </p:cNvSpPr>
@@ -309,10 +293,7 @@
             <a:normAutofit/>
           </a:bodyPr>
           <a:p>
-            <a:endParaRPr b="0" lang="pt-BR" sz="1400" spc="-1" strike="noStrike">
-              <a:solidFill>
-                <a:srgbClr val="000000"/>
-              </a:solidFill>
+            <a:endParaRPr b="0" lang="pt-BR" sz="3200" spc="-1" strike="noStrike">
               <a:latin typeface="Arial"/>
             </a:endParaRPr>
           </a:p>
@@ -320,7 +301,7 @@
       </p:sp>
       <p:sp>
         <p:nvSpPr>
-          <p:cNvPr id="33" name="PlaceHolder 5"/>
+          <p:cNvPr id="30" name="PlaceHolder 5"/>
           <p:cNvSpPr>
             <a:spLocks noGrp="1"/>
           </p:cNvSpPr>
@@ -342,10 +323,7 @@
             <a:normAutofit/>
           </a:bodyPr>
           <a:p>
-            <a:endParaRPr b="0" lang="pt-BR" sz="1400" spc="-1" strike="noStrike">
-              <a:solidFill>
-                <a:srgbClr val="000000"/>
-              </a:solidFill>
+            <a:endParaRPr b="0" lang="pt-BR" sz="3200" spc="-1" strike="noStrike">
               <a:latin typeface="Arial"/>
             </a:endParaRPr>
           </a:p>
@@ -375,7 +353,7 @@
       </p:grpSpPr>
       <p:sp>
         <p:nvSpPr>
-          <p:cNvPr id="34" name="PlaceHolder 1"/>
+          <p:cNvPr id="31" name="PlaceHolder 1"/>
           <p:cNvSpPr>
             <a:spLocks noGrp="1"/>
           </p:cNvSpPr>
@@ -397,10 +375,8 @@
             <a:noAutofit/>
           </a:bodyPr>
           <a:p>
-            <a:endParaRPr b="0" lang="pt-BR" sz="1400" spc="-1" strike="noStrike">
-              <a:solidFill>
-                <a:srgbClr val="000000"/>
-              </a:solidFill>
+            <a:pPr algn="ctr"/>
+            <a:endParaRPr b="0" lang="pt-BR" sz="4400" spc="-1" strike="noStrike">
               <a:latin typeface="Arial"/>
             </a:endParaRPr>
           </a:p>
@@ -408,7 +384,7 @@
       </p:sp>
       <p:sp>
         <p:nvSpPr>
-          <p:cNvPr id="35" name="PlaceHolder 2"/>
+          <p:cNvPr id="32" name="PlaceHolder 2"/>
           <p:cNvSpPr>
             <a:spLocks noGrp="1"/>
           </p:cNvSpPr>
@@ -430,10 +406,7 @@
             <a:normAutofit/>
           </a:bodyPr>
           <a:p>
-            <a:endParaRPr b="0" lang="pt-BR" sz="1400" spc="-1" strike="noStrike">
-              <a:solidFill>
-                <a:srgbClr val="000000"/>
-              </a:solidFill>
+            <a:endParaRPr b="0" lang="pt-BR" sz="3200" spc="-1" strike="noStrike">
               <a:latin typeface="Arial"/>
             </a:endParaRPr>
           </a:p>
@@ -441,7 +414,7 @@
       </p:sp>
       <p:sp>
         <p:nvSpPr>
-          <p:cNvPr id="36" name="PlaceHolder 3"/>
+          <p:cNvPr id="33" name="PlaceHolder 3"/>
           <p:cNvSpPr>
             <a:spLocks noGrp="1"/>
           </p:cNvSpPr>
@@ -463,10 +436,7 @@
             <a:normAutofit/>
           </a:bodyPr>
           <a:p>
-            <a:endParaRPr b="0" lang="pt-BR" sz="1400" spc="-1" strike="noStrike">
-              <a:solidFill>
-                <a:srgbClr val="000000"/>
-              </a:solidFill>
+            <a:endParaRPr b="0" lang="pt-BR" sz="3200" spc="-1" strike="noStrike">
               <a:latin typeface="Arial"/>
             </a:endParaRPr>
           </a:p>
@@ -474,7 +444,7 @@
       </p:sp>
       <p:sp>
         <p:nvSpPr>
-          <p:cNvPr id="37" name="PlaceHolder 4"/>
+          <p:cNvPr id="34" name="PlaceHolder 4"/>
           <p:cNvSpPr>
             <a:spLocks noGrp="1"/>
           </p:cNvSpPr>
@@ -496,10 +466,7 @@
             <a:normAutofit/>
           </a:bodyPr>
           <a:p>
-            <a:endParaRPr b="0" lang="pt-BR" sz="1400" spc="-1" strike="noStrike">
-              <a:solidFill>
-                <a:srgbClr val="000000"/>
-              </a:solidFill>
+            <a:endParaRPr b="0" lang="pt-BR" sz="3200" spc="-1" strike="noStrike">
               <a:latin typeface="Arial"/>
             </a:endParaRPr>
           </a:p>
@@ -507,7 +474,7 @@
       </p:sp>
       <p:sp>
         <p:nvSpPr>
-          <p:cNvPr id="38" name="PlaceHolder 5"/>
+          <p:cNvPr id="35" name="PlaceHolder 5"/>
           <p:cNvSpPr>
             <a:spLocks noGrp="1"/>
           </p:cNvSpPr>
@@ -529,10 +496,7 @@
             <a:normAutofit/>
           </a:bodyPr>
           <a:p>
-            <a:endParaRPr b="0" lang="pt-BR" sz="1400" spc="-1" strike="noStrike">
-              <a:solidFill>
-                <a:srgbClr val="000000"/>
-              </a:solidFill>
+            <a:endParaRPr b="0" lang="pt-BR" sz="3200" spc="-1" strike="noStrike">
               <a:latin typeface="Arial"/>
             </a:endParaRPr>
           </a:p>
@@ -540,7 +504,7 @@
       </p:sp>
       <p:sp>
         <p:nvSpPr>
-          <p:cNvPr id="39" name="PlaceHolder 6"/>
+          <p:cNvPr id="36" name="PlaceHolder 6"/>
           <p:cNvSpPr>
             <a:spLocks noGrp="1"/>
           </p:cNvSpPr>
@@ -562,10 +526,7 @@
             <a:normAutofit/>
           </a:bodyPr>
           <a:p>
-            <a:endParaRPr b="0" lang="pt-BR" sz="1400" spc="-1" strike="noStrike">
-              <a:solidFill>
-                <a:srgbClr val="000000"/>
-              </a:solidFill>
+            <a:endParaRPr b="0" lang="pt-BR" sz="3200" spc="-1" strike="noStrike">
               <a:latin typeface="Arial"/>
             </a:endParaRPr>
           </a:p>
@@ -573,7 +534,7 @@
       </p:sp>
       <p:sp>
         <p:nvSpPr>
-          <p:cNvPr id="40" name="PlaceHolder 7"/>
+          <p:cNvPr id="37" name="PlaceHolder 7"/>
           <p:cNvSpPr>
             <a:spLocks noGrp="1"/>
           </p:cNvSpPr>
@@ -595,10 +556,7 @@
             <a:normAutofit/>
           </a:bodyPr>
           <a:p>
-            <a:endParaRPr b="0" lang="pt-BR" sz="1400" spc="-1" strike="noStrike">
-              <a:solidFill>
-                <a:srgbClr val="000000"/>
-              </a:solidFill>
+            <a:endParaRPr b="0" lang="pt-BR" sz="3200" spc="-1" strike="noStrike">
               <a:latin typeface="Arial"/>
             </a:endParaRPr>
           </a:p>
@@ -628,7 +586,7 @@
       </p:grpSpPr>
       <p:sp>
         <p:nvSpPr>
-          <p:cNvPr id="5" name="PlaceHolder 1"/>
+          <p:cNvPr id="2" name="PlaceHolder 1"/>
           <p:cNvSpPr>
             <a:spLocks noGrp="1"/>
           </p:cNvSpPr>
@@ -650,10 +608,8 @@
             <a:noAutofit/>
           </a:bodyPr>
           <a:p>
-            <a:endParaRPr b="0" lang="pt-BR" sz="1400" spc="-1" strike="noStrike">
-              <a:solidFill>
-                <a:srgbClr val="000000"/>
-              </a:solidFill>
+            <a:pPr algn="ctr"/>
+            <a:endParaRPr b="0" lang="pt-BR" sz="4400" spc="-1" strike="noStrike">
               <a:latin typeface="Arial"/>
             </a:endParaRPr>
           </a:p>
@@ -661,7 +617,7 @@
       </p:sp>
       <p:sp>
         <p:nvSpPr>
-          <p:cNvPr id="6" name="PlaceHolder 2"/>
+          <p:cNvPr id="3" name="PlaceHolder 2"/>
           <p:cNvSpPr>
             <a:spLocks noGrp="1"/>
           </p:cNvSpPr>
@@ -714,7 +670,7 @@
       </p:grpSpPr>
       <p:sp>
         <p:nvSpPr>
-          <p:cNvPr id="7" name="PlaceHolder 1"/>
+          <p:cNvPr id="4" name="PlaceHolder 1"/>
           <p:cNvSpPr>
             <a:spLocks noGrp="1"/>
           </p:cNvSpPr>
@@ -736,10 +692,8 @@
             <a:noAutofit/>
           </a:bodyPr>
           <a:p>
-            <a:endParaRPr b="0" lang="pt-BR" sz="1400" spc="-1" strike="noStrike">
-              <a:solidFill>
-                <a:srgbClr val="000000"/>
-              </a:solidFill>
+            <a:pPr algn="ctr"/>
+            <a:endParaRPr b="0" lang="pt-BR" sz="4400" spc="-1" strike="noStrike">
               <a:latin typeface="Arial"/>
             </a:endParaRPr>
           </a:p>
@@ -747,7 +701,7 @@
       </p:sp>
       <p:sp>
         <p:nvSpPr>
-          <p:cNvPr id="8" name="PlaceHolder 2"/>
+          <p:cNvPr id="5" name="PlaceHolder 2"/>
           <p:cNvSpPr>
             <a:spLocks noGrp="1"/>
           </p:cNvSpPr>
@@ -769,10 +723,7 @@
             <a:normAutofit/>
           </a:bodyPr>
           <a:p>
-            <a:endParaRPr b="0" lang="pt-BR" sz="1400" spc="-1" strike="noStrike">
-              <a:solidFill>
-                <a:srgbClr val="000000"/>
-              </a:solidFill>
+            <a:endParaRPr b="0" lang="pt-BR" sz="3200" spc="-1" strike="noStrike">
               <a:latin typeface="Arial"/>
             </a:endParaRPr>
           </a:p>
@@ -802,7 +753,7 @@
       </p:grpSpPr>
       <p:sp>
         <p:nvSpPr>
-          <p:cNvPr id="9" name="PlaceHolder 1"/>
+          <p:cNvPr id="6" name="PlaceHolder 1"/>
           <p:cNvSpPr>
             <a:spLocks noGrp="1"/>
           </p:cNvSpPr>
@@ -824,10 +775,8 @@
             <a:noAutofit/>
           </a:bodyPr>
           <a:p>
-            <a:endParaRPr b="0" lang="pt-BR" sz="1400" spc="-1" strike="noStrike">
-              <a:solidFill>
-                <a:srgbClr val="000000"/>
-              </a:solidFill>
+            <a:pPr algn="ctr"/>
+            <a:endParaRPr b="0" lang="pt-BR" sz="4400" spc="-1" strike="noStrike">
               <a:latin typeface="Arial"/>
             </a:endParaRPr>
           </a:p>
@@ -835,7 +784,7 @@
       </p:sp>
       <p:sp>
         <p:nvSpPr>
-          <p:cNvPr id="10" name="PlaceHolder 2"/>
+          <p:cNvPr id="7" name="PlaceHolder 2"/>
           <p:cNvSpPr>
             <a:spLocks noGrp="1"/>
           </p:cNvSpPr>
@@ -857,10 +806,7 @@
             <a:normAutofit/>
           </a:bodyPr>
           <a:p>
-            <a:endParaRPr b="0" lang="pt-BR" sz="1400" spc="-1" strike="noStrike">
-              <a:solidFill>
-                <a:srgbClr val="000000"/>
-              </a:solidFill>
+            <a:endParaRPr b="0" lang="pt-BR" sz="3200" spc="-1" strike="noStrike">
               <a:latin typeface="Arial"/>
             </a:endParaRPr>
           </a:p>
@@ -868,7 +814,7 @@
       </p:sp>
       <p:sp>
         <p:nvSpPr>
-          <p:cNvPr id="11" name="PlaceHolder 3"/>
+          <p:cNvPr id="8" name="PlaceHolder 3"/>
           <p:cNvSpPr>
             <a:spLocks noGrp="1"/>
           </p:cNvSpPr>
@@ -890,10 +836,7 @@
             <a:normAutofit/>
           </a:bodyPr>
           <a:p>
-            <a:endParaRPr b="0" lang="pt-BR" sz="1400" spc="-1" strike="noStrike">
-              <a:solidFill>
-                <a:srgbClr val="000000"/>
-              </a:solidFill>
+            <a:endParaRPr b="0" lang="pt-BR" sz="3200" spc="-1" strike="noStrike">
               <a:latin typeface="Arial"/>
             </a:endParaRPr>
           </a:p>
@@ -923,7 +866,7 @@
       </p:grpSpPr>
       <p:sp>
         <p:nvSpPr>
-          <p:cNvPr id="12" name="PlaceHolder 1"/>
+          <p:cNvPr id="9" name="PlaceHolder 1"/>
           <p:cNvSpPr>
             <a:spLocks noGrp="1"/>
           </p:cNvSpPr>
@@ -945,10 +888,8 @@
             <a:noAutofit/>
           </a:bodyPr>
           <a:p>
-            <a:endParaRPr b="0" lang="pt-BR" sz="1400" spc="-1" strike="noStrike">
-              <a:solidFill>
-                <a:srgbClr val="000000"/>
-              </a:solidFill>
+            <a:pPr algn="ctr"/>
+            <a:endParaRPr b="0" lang="pt-BR" sz="4400" spc="-1" strike="noStrike">
               <a:latin typeface="Arial"/>
             </a:endParaRPr>
           </a:p>
@@ -978,7 +919,7 @@
       </p:grpSpPr>
       <p:sp>
         <p:nvSpPr>
-          <p:cNvPr id="13" name="PlaceHolder 1"/>
+          <p:cNvPr id="10" name="PlaceHolder 1"/>
           <p:cNvSpPr>
             <a:spLocks noGrp="1"/>
           </p:cNvSpPr>
@@ -1031,7 +972,7 @@
       </p:grpSpPr>
       <p:sp>
         <p:nvSpPr>
-          <p:cNvPr id="14" name="PlaceHolder 1"/>
+          <p:cNvPr id="11" name="PlaceHolder 1"/>
           <p:cNvSpPr>
             <a:spLocks noGrp="1"/>
           </p:cNvSpPr>
@@ -1053,10 +994,8 @@
             <a:noAutofit/>
           </a:bodyPr>
           <a:p>
-            <a:endParaRPr b="0" lang="pt-BR" sz="1400" spc="-1" strike="noStrike">
-              <a:solidFill>
-                <a:srgbClr val="000000"/>
-              </a:solidFill>
+            <a:pPr algn="ctr"/>
+            <a:endParaRPr b="0" lang="pt-BR" sz="4400" spc="-1" strike="noStrike">
               <a:latin typeface="Arial"/>
             </a:endParaRPr>
           </a:p>
@@ -1064,7 +1003,7 @@
       </p:sp>
       <p:sp>
         <p:nvSpPr>
-          <p:cNvPr id="15" name="PlaceHolder 2"/>
+          <p:cNvPr id="12" name="PlaceHolder 2"/>
           <p:cNvSpPr>
             <a:spLocks noGrp="1"/>
           </p:cNvSpPr>
@@ -1086,10 +1025,7 @@
             <a:normAutofit/>
           </a:bodyPr>
           <a:p>
-            <a:endParaRPr b="0" lang="pt-BR" sz="1400" spc="-1" strike="noStrike">
-              <a:solidFill>
-                <a:srgbClr val="000000"/>
-              </a:solidFill>
+            <a:endParaRPr b="0" lang="pt-BR" sz="3200" spc="-1" strike="noStrike">
               <a:latin typeface="Arial"/>
             </a:endParaRPr>
           </a:p>
@@ -1097,7 +1033,7 @@
       </p:sp>
       <p:sp>
         <p:nvSpPr>
-          <p:cNvPr id="16" name="PlaceHolder 3"/>
+          <p:cNvPr id="13" name="PlaceHolder 3"/>
           <p:cNvSpPr>
             <a:spLocks noGrp="1"/>
           </p:cNvSpPr>
@@ -1119,10 +1055,7 @@
             <a:normAutofit/>
           </a:bodyPr>
           <a:p>
-            <a:endParaRPr b="0" lang="pt-BR" sz="1400" spc="-1" strike="noStrike">
-              <a:solidFill>
-                <a:srgbClr val="000000"/>
-              </a:solidFill>
+            <a:endParaRPr b="0" lang="pt-BR" sz="3200" spc="-1" strike="noStrike">
               <a:latin typeface="Arial"/>
             </a:endParaRPr>
           </a:p>
@@ -1130,7 +1063,7 @@
       </p:sp>
       <p:sp>
         <p:nvSpPr>
-          <p:cNvPr id="17" name="PlaceHolder 4"/>
+          <p:cNvPr id="14" name="PlaceHolder 4"/>
           <p:cNvSpPr>
             <a:spLocks noGrp="1"/>
           </p:cNvSpPr>
@@ -1152,10 +1085,7 @@
             <a:normAutofit/>
           </a:bodyPr>
           <a:p>
-            <a:endParaRPr b="0" lang="pt-BR" sz="1400" spc="-1" strike="noStrike">
-              <a:solidFill>
-                <a:srgbClr val="000000"/>
-              </a:solidFill>
+            <a:endParaRPr b="0" lang="pt-BR" sz="3200" spc="-1" strike="noStrike">
               <a:latin typeface="Arial"/>
             </a:endParaRPr>
           </a:p>
@@ -1185,7 +1115,7 @@
       </p:grpSpPr>
       <p:sp>
         <p:nvSpPr>
-          <p:cNvPr id="18" name="PlaceHolder 1"/>
+          <p:cNvPr id="15" name="PlaceHolder 1"/>
           <p:cNvSpPr>
             <a:spLocks noGrp="1"/>
           </p:cNvSpPr>
@@ -1207,10 +1137,8 @@
             <a:noAutofit/>
           </a:bodyPr>
           <a:p>
-            <a:endParaRPr b="0" lang="pt-BR" sz="1400" spc="-1" strike="noStrike">
-              <a:solidFill>
-                <a:srgbClr val="000000"/>
-              </a:solidFill>
+            <a:pPr algn="ctr"/>
+            <a:endParaRPr b="0" lang="pt-BR" sz="4400" spc="-1" strike="noStrike">
               <a:latin typeface="Arial"/>
             </a:endParaRPr>
           </a:p>
@@ -1218,7 +1146,7 @@
       </p:sp>
       <p:sp>
         <p:nvSpPr>
-          <p:cNvPr id="19" name="PlaceHolder 2"/>
+          <p:cNvPr id="16" name="PlaceHolder 2"/>
           <p:cNvSpPr>
             <a:spLocks noGrp="1"/>
           </p:cNvSpPr>
@@ -1240,10 +1168,7 @@
             <a:normAutofit/>
           </a:bodyPr>
           <a:p>
-            <a:endParaRPr b="0" lang="pt-BR" sz="1400" spc="-1" strike="noStrike">
-              <a:solidFill>
-                <a:srgbClr val="000000"/>
-              </a:solidFill>
+            <a:endParaRPr b="0" lang="pt-BR" sz="3200" spc="-1" strike="noStrike">
               <a:latin typeface="Arial"/>
             </a:endParaRPr>
           </a:p>
@@ -1251,7 +1176,7 @@
       </p:sp>
       <p:sp>
         <p:nvSpPr>
-          <p:cNvPr id="20" name="PlaceHolder 3"/>
+          <p:cNvPr id="17" name="PlaceHolder 3"/>
           <p:cNvSpPr>
             <a:spLocks noGrp="1"/>
           </p:cNvSpPr>
@@ -1273,10 +1198,7 @@
             <a:normAutofit/>
           </a:bodyPr>
           <a:p>
-            <a:endParaRPr b="0" lang="pt-BR" sz="1400" spc="-1" strike="noStrike">
-              <a:solidFill>
-                <a:srgbClr val="000000"/>
-              </a:solidFill>
+            <a:endParaRPr b="0" lang="pt-BR" sz="3200" spc="-1" strike="noStrike">
               <a:latin typeface="Arial"/>
             </a:endParaRPr>
           </a:p>
@@ -1284,7 +1206,7 @@
       </p:sp>
       <p:sp>
         <p:nvSpPr>
-          <p:cNvPr id="21" name="PlaceHolder 4"/>
+          <p:cNvPr id="18" name="PlaceHolder 4"/>
           <p:cNvSpPr>
             <a:spLocks noGrp="1"/>
           </p:cNvSpPr>
@@ -1306,10 +1228,7 @@
             <a:normAutofit/>
           </a:bodyPr>
           <a:p>
-            <a:endParaRPr b="0" lang="pt-BR" sz="1400" spc="-1" strike="noStrike">
-              <a:solidFill>
-                <a:srgbClr val="000000"/>
-              </a:solidFill>
+            <a:endParaRPr b="0" lang="pt-BR" sz="3200" spc="-1" strike="noStrike">
               <a:latin typeface="Arial"/>
             </a:endParaRPr>
           </a:p>
@@ -1339,7 +1258,7 @@
       </p:grpSpPr>
       <p:sp>
         <p:nvSpPr>
-          <p:cNvPr id="22" name="PlaceHolder 1"/>
+          <p:cNvPr id="19" name="PlaceHolder 1"/>
           <p:cNvSpPr>
             <a:spLocks noGrp="1"/>
           </p:cNvSpPr>
@@ -1361,10 +1280,8 @@
             <a:noAutofit/>
           </a:bodyPr>
           <a:p>
-            <a:endParaRPr b="0" lang="pt-BR" sz="1400" spc="-1" strike="noStrike">
-              <a:solidFill>
-                <a:srgbClr val="000000"/>
-              </a:solidFill>
+            <a:pPr algn="ctr"/>
+            <a:endParaRPr b="0" lang="pt-BR" sz="4400" spc="-1" strike="noStrike">
               <a:latin typeface="Arial"/>
             </a:endParaRPr>
           </a:p>
@@ -1372,7 +1289,7 @@
       </p:sp>
       <p:sp>
         <p:nvSpPr>
-          <p:cNvPr id="23" name="PlaceHolder 2"/>
+          <p:cNvPr id="20" name="PlaceHolder 2"/>
           <p:cNvSpPr>
             <a:spLocks noGrp="1"/>
           </p:cNvSpPr>
@@ -1394,10 +1311,7 @@
             <a:normAutofit/>
           </a:bodyPr>
           <a:p>
-            <a:endParaRPr b="0" lang="pt-BR" sz="1400" spc="-1" strike="noStrike">
-              <a:solidFill>
-                <a:srgbClr val="000000"/>
-              </a:solidFill>
+            <a:endParaRPr b="0" lang="pt-BR" sz="3200" spc="-1" strike="noStrike">
               <a:latin typeface="Arial"/>
             </a:endParaRPr>
           </a:p>
@@ -1405,7 +1319,7 @@
       </p:sp>
       <p:sp>
         <p:nvSpPr>
-          <p:cNvPr id="24" name="PlaceHolder 3"/>
+          <p:cNvPr id="21" name="PlaceHolder 3"/>
           <p:cNvSpPr>
             <a:spLocks noGrp="1"/>
           </p:cNvSpPr>
@@ -1427,10 +1341,7 @@
             <a:normAutofit/>
           </a:bodyPr>
           <a:p>
-            <a:endParaRPr b="0" lang="pt-BR" sz="1400" spc="-1" strike="noStrike">
-              <a:solidFill>
-                <a:srgbClr val="000000"/>
-              </a:solidFill>
+            <a:endParaRPr b="0" lang="pt-BR" sz="3200" spc="-1" strike="noStrike">
               <a:latin typeface="Arial"/>
             </a:endParaRPr>
           </a:p>
@@ -1438,7 +1349,7 @@
       </p:sp>
       <p:sp>
         <p:nvSpPr>
-          <p:cNvPr id="25" name="PlaceHolder 4"/>
+          <p:cNvPr id="22" name="PlaceHolder 4"/>
           <p:cNvSpPr>
             <a:spLocks noGrp="1"/>
           </p:cNvSpPr>
@@ -1460,10 +1371,7 @@
             <a:normAutofit/>
           </a:bodyPr>
           <a:p>
-            <a:endParaRPr b="0" lang="pt-BR" sz="1400" spc="-1" strike="noStrike">
-              <a:solidFill>
-                <a:srgbClr val="000000"/>
-              </a:solidFill>
+            <a:endParaRPr b="0" lang="pt-BR" sz="3200" spc="-1" strike="noStrike">
               <a:latin typeface="Arial"/>
             </a:endParaRPr>
           </a:p>
@@ -1505,25 +1413,32 @@
             <a:spLocks noGrp="1"/>
           </p:cNvSpPr>
           <p:nvPr>
-            <p:ph type="dt"/>
+            <p:ph type="title"/>
           </p:nvPr>
         </p:nvSpPr>
         <p:spPr>
           <a:xfrm>
-            <a:off x="457200" y="6356520"/>
-            <a:ext cx="2133360" cy="364680"/>
+            <a:off x="914400" y="410400"/>
+            <a:ext cx="16458840" cy="1717560"/>
           </a:xfrm>
           <a:prstGeom prst="rect">
             <a:avLst/>
           </a:prstGeom>
         </p:spPr>
         <p:txBody>
-          <a:bodyPr anchor="ctr">
+          <a:bodyPr lIns="0" rIns="0" tIns="0" bIns="0" anchor="ctr">
             <a:noAutofit/>
           </a:bodyPr>
           <a:p>
-            <a:endParaRPr b="0" lang="pt-BR" sz="2400" spc="-1" strike="noStrike">
-              <a:latin typeface="Times New Roman"/>
+            <a:pPr algn="ctr"/>
+            <a:r>
+              <a:rPr b="0" lang="pt-BR" sz="4400" spc="-1" strike="noStrike">
+                <a:latin typeface="Arial"/>
+              </a:rPr>
+              <a:t>Clique para editar o formato do texto do título</a:t>
+            </a:r>
+            <a:endParaRPr b="0" lang="pt-BR" sz="4400" spc="-1" strike="noStrike">
+              <a:latin typeface="Arial"/>
             </a:endParaRPr>
           </a:p>
         </p:txBody>
@@ -1531,126 +1446,6 @@
       <p:sp>
         <p:nvSpPr>
           <p:cNvPr id="1" name="PlaceHolder 2"/>
-          <p:cNvSpPr>
-            <a:spLocks noGrp="1"/>
-          </p:cNvSpPr>
-          <p:nvPr>
-            <p:ph type="ftr"/>
-          </p:nvPr>
-        </p:nvSpPr>
-        <p:spPr>
-          <a:xfrm>
-            <a:off x="3124080" y="6356520"/>
-            <a:ext cx="2895120" cy="364680"/>
-          </a:xfrm>
-          <a:prstGeom prst="rect">
-            <a:avLst/>
-          </a:prstGeom>
-        </p:spPr>
-        <p:txBody>
-          <a:bodyPr anchor="ctr">
-            <a:noAutofit/>
-          </a:bodyPr>
-          <a:p>
-            <a:endParaRPr b="0" lang="pt-BR" sz="2400" spc="-1" strike="noStrike">
-              <a:latin typeface="Times New Roman"/>
-            </a:endParaRPr>
-          </a:p>
-        </p:txBody>
-      </p:sp>
-      <p:sp>
-        <p:nvSpPr>
-          <p:cNvPr id="2" name="PlaceHolder 3"/>
-          <p:cNvSpPr>
-            <a:spLocks noGrp="1"/>
-          </p:cNvSpPr>
-          <p:nvPr>
-            <p:ph type="sldNum"/>
-          </p:nvPr>
-        </p:nvSpPr>
-        <p:spPr>
-          <a:xfrm>
-            <a:off x="6553080" y="6356520"/>
-            <a:ext cx="2133360" cy="364680"/>
-          </a:xfrm>
-          <a:prstGeom prst="rect">
-            <a:avLst/>
-          </a:prstGeom>
-        </p:spPr>
-        <p:txBody>
-          <a:bodyPr anchor="ctr">
-            <a:noAutofit/>
-          </a:bodyPr>
-          <a:p>
-            <a:pPr algn="r">
-              <a:lnSpc>
-                <a:spcPct val="100000"/>
-              </a:lnSpc>
-              <a:tabLst>
-                <a:tab algn="l" pos="0"/>
-              </a:tabLst>
-            </a:pPr>
-            <a:fld id="{2F57EA69-8F62-42A6-BA8E-E6C4AE29C40F}" type="slidenum">
-              <a:rPr b="0" lang="en-US" sz="1200" spc="-1" strike="noStrike">
-                <a:solidFill>
-                  <a:srgbClr val="888888"/>
-                </a:solidFill>
-                <a:latin typeface="Calibri"/>
-                <a:ea typeface="Calibri"/>
-              </a:rPr>
-              <a:t>&lt;número&gt;</a:t>
-            </a:fld>
-            <a:endParaRPr b="0" lang="pt-BR" sz="1200" spc="-1" strike="noStrike">
-              <a:latin typeface="Times New Roman"/>
-            </a:endParaRPr>
-          </a:p>
-        </p:txBody>
-      </p:sp>
-      <p:sp>
-        <p:nvSpPr>
-          <p:cNvPr id="3" name="PlaceHolder 4"/>
-          <p:cNvSpPr>
-            <a:spLocks noGrp="1"/>
-          </p:cNvSpPr>
-          <p:nvPr>
-            <p:ph type="title"/>
-          </p:nvPr>
-        </p:nvSpPr>
-        <p:spPr>
-          <a:xfrm>
-            <a:off x="914400" y="410400"/>
-            <a:ext cx="16458840" cy="1717560"/>
-          </a:xfrm>
-          <a:prstGeom prst="rect">
-            <a:avLst/>
-          </a:prstGeom>
-        </p:spPr>
-        <p:txBody>
-          <a:bodyPr lIns="0" rIns="0" tIns="0" bIns="0" anchor="ctr">
-            <a:noAutofit/>
-          </a:bodyPr>
-          <a:p>
-            <a:r>
-              <a:rPr b="0" lang="pt-BR" sz="1400" spc="-1" strike="noStrike">
-                <a:solidFill>
-                  <a:srgbClr val="000000"/>
-                </a:solidFill>
-                <a:latin typeface="Arial"/>
-              </a:rPr>
-              <a:t>Clique para editar o formato do texto do título</a:t>
-            </a:r>
-            <a:endParaRPr b="0" lang="pt-BR" sz="1400" spc="-1" strike="noStrike">
-              <a:solidFill>
-                <a:srgbClr val="000000"/>
-              </a:solidFill>
-              <a:latin typeface="Arial"/>
-            </a:endParaRPr>
-          </a:p>
-        </p:txBody>
-      </p:sp>
-      <p:sp>
-        <p:nvSpPr>
-          <p:cNvPr id="4" name="PlaceHolder 5"/>
           <p:cNvSpPr>
             <a:spLocks noGrp="1"/>
           </p:cNvSpPr>
@@ -1684,18 +1479,12 @@
               <a:buChar char=""/>
             </a:pPr>
             <a:r>
-              <a:rPr b="0" lang="pt-BR" sz="1400" spc="-1" strike="noStrike">
-                <a:solidFill>
-                  <a:srgbClr val="000000"/>
-                </a:solidFill>
+              <a:rPr b="0" lang="pt-BR" sz="3200" spc="-1" strike="noStrike">
                 <a:latin typeface="Arial"/>
               </a:rPr>
               <a:t>Clique para editar o formato do texto da estrutura de tópicos</a:t>
             </a:r>
-            <a:endParaRPr b="0" lang="pt-BR" sz="1400" spc="-1" strike="noStrike">
-              <a:solidFill>
-                <a:srgbClr val="000000"/>
-              </a:solidFill>
+            <a:endParaRPr b="0" lang="pt-BR" sz="3200" spc="-1" strike="noStrike">
               <a:latin typeface="Arial"/>
             </a:endParaRPr>
           </a:p>
@@ -1712,18 +1501,12 @@
               <a:buChar char=""/>
             </a:pPr>
             <a:r>
-              <a:rPr b="0" lang="pt-BR" sz="1400" spc="-1" strike="noStrike">
-                <a:solidFill>
-                  <a:srgbClr val="000000"/>
-                </a:solidFill>
+              <a:rPr b="0" lang="pt-BR" sz="2800" spc="-1" strike="noStrike">
                 <a:latin typeface="Arial"/>
               </a:rPr>
               <a:t>2.º nível da estrutura de tópicos</a:t>
             </a:r>
-            <a:endParaRPr b="0" lang="pt-BR" sz="1400" spc="-1" strike="noStrike">
-              <a:solidFill>
-                <a:srgbClr val="000000"/>
-              </a:solidFill>
+            <a:endParaRPr b="0" lang="pt-BR" sz="2800" spc="-1" strike="noStrike">
               <a:latin typeface="Arial"/>
             </a:endParaRPr>
           </a:p>
@@ -1740,18 +1523,12 @@
               <a:buChar char=""/>
             </a:pPr>
             <a:r>
-              <a:rPr b="0" lang="pt-BR" sz="1400" spc="-1" strike="noStrike">
-                <a:solidFill>
-                  <a:srgbClr val="000000"/>
-                </a:solidFill>
+              <a:rPr b="0" lang="pt-BR" sz="2400" spc="-1" strike="noStrike">
                 <a:latin typeface="Arial"/>
               </a:rPr>
               <a:t>3.º nível da estrutura de tópicos</a:t>
             </a:r>
-            <a:endParaRPr b="0" lang="pt-BR" sz="1400" spc="-1" strike="noStrike">
-              <a:solidFill>
-                <a:srgbClr val="000000"/>
-              </a:solidFill>
+            <a:endParaRPr b="0" lang="pt-BR" sz="2400" spc="-1" strike="noStrike">
               <a:latin typeface="Arial"/>
             </a:endParaRPr>
           </a:p>
@@ -1768,18 +1545,12 @@
               <a:buChar char=""/>
             </a:pPr>
             <a:r>
-              <a:rPr b="0" lang="pt-BR" sz="1400" spc="-1" strike="noStrike">
-                <a:solidFill>
-                  <a:srgbClr val="000000"/>
-                </a:solidFill>
+              <a:rPr b="0" lang="pt-BR" sz="2000" spc="-1" strike="noStrike">
                 <a:latin typeface="Arial"/>
               </a:rPr>
               <a:t>4.º nível da estrutura de tópicos</a:t>
             </a:r>
-            <a:endParaRPr b="0" lang="pt-BR" sz="1400" spc="-1" strike="noStrike">
-              <a:solidFill>
-                <a:srgbClr val="000000"/>
-              </a:solidFill>
+            <a:endParaRPr b="0" lang="pt-BR" sz="2000" spc="-1" strike="noStrike">
               <a:latin typeface="Arial"/>
             </a:endParaRPr>
           </a:p>
@@ -1797,17 +1568,11 @@
             </a:pPr>
             <a:r>
               <a:rPr b="0" lang="pt-BR" sz="2000" spc="-1" strike="noStrike">
-                <a:solidFill>
-                  <a:srgbClr val="000000"/>
-                </a:solidFill>
                 <a:latin typeface="Arial"/>
               </a:rPr>
               <a:t>5.º nível da estrutura de tópicos</a:t>
             </a:r>
             <a:endParaRPr b="0" lang="pt-BR" sz="2000" spc="-1" strike="noStrike">
-              <a:solidFill>
-                <a:srgbClr val="000000"/>
-              </a:solidFill>
               <a:latin typeface="Arial"/>
             </a:endParaRPr>
           </a:p>
@@ -1825,17 +1590,11 @@
             </a:pPr>
             <a:r>
               <a:rPr b="0" lang="pt-BR" sz="2000" spc="-1" strike="noStrike">
-                <a:solidFill>
-                  <a:srgbClr val="000000"/>
-                </a:solidFill>
                 <a:latin typeface="Arial"/>
               </a:rPr>
               <a:t>6.º nível da estrutura de tópicos</a:t>
             </a:r>
             <a:endParaRPr b="0" lang="pt-BR" sz="2000" spc="-1" strike="noStrike">
-              <a:solidFill>
-                <a:srgbClr val="000000"/>
-              </a:solidFill>
               <a:latin typeface="Arial"/>
             </a:endParaRPr>
           </a:p>
@@ -1853,17 +1612,11 @@
             </a:pPr>
             <a:r>
               <a:rPr b="0" lang="pt-BR" sz="2000" spc="-1" strike="noStrike">
-                <a:solidFill>
-                  <a:srgbClr val="000000"/>
-                </a:solidFill>
                 <a:latin typeface="Arial"/>
               </a:rPr>
               <a:t>7.º nível da estrutura de tópicos</a:t>
             </a:r>
             <a:endParaRPr b="0" lang="pt-BR" sz="2000" spc="-1" strike="noStrike">
-              <a:solidFill>
-                <a:srgbClr val="000000"/>
-              </a:solidFill>
               <a:latin typeface="Arial"/>
             </a:endParaRPr>
           </a:p>
@@ -1915,7 +1668,7 @@
       </p:grpSpPr>
       <p:pic>
         <p:nvPicPr>
-          <p:cNvPr id="41" name="Google Shape;84;p1" descr=""/>
+          <p:cNvPr id="38" name="Google Shape;84;p1" descr=""/>
           <p:cNvPicPr/>
           <p:nvPr/>
         </p:nvPicPr>
@@ -1926,7 +1679,7 @@
         <p:spPr>
           <a:xfrm>
             <a:off x="0" y="0"/>
-            <a:ext cx="18287640" cy="10286640"/>
+            <a:ext cx="18287280" cy="10286280"/>
           </a:xfrm>
           <a:prstGeom prst="rect">
             <a:avLst/>
@@ -1938,14 +1691,14 @@
       </p:pic>
       <p:sp>
         <p:nvSpPr>
-          <p:cNvPr id="42" name="Google Shape;85;p1"/>
+          <p:cNvPr id="39" name="Google Shape;85;p1"/>
           <p:cNvSpPr/>
           <p:nvPr/>
         </p:nvSpPr>
         <p:spPr>
           <a:xfrm>
             <a:off x="1028880" y="1028880"/>
-            <a:ext cx="9425520" cy="3510360"/>
+            <a:ext cx="9425160" cy="3510360"/>
           </a:xfrm>
           <a:prstGeom prst="rect">
             <a:avLst/>
@@ -1992,14 +1745,14 @@
       </p:sp>
       <p:sp>
         <p:nvSpPr>
-          <p:cNvPr id="43" name="Google Shape;86;p1"/>
+          <p:cNvPr id="40" name="Google Shape;86;p1"/>
           <p:cNvSpPr/>
           <p:nvPr/>
         </p:nvSpPr>
         <p:spPr>
           <a:xfrm>
             <a:off x="1028880" y="8776080"/>
-            <a:ext cx="7017480" cy="592560"/>
+            <a:ext cx="7017120" cy="592560"/>
           </a:xfrm>
           <a:prstGeom prst="rect">
             <a:avLst/>
@@ -2083,7 +1836,7 @@
       </p:grpSpPr>
       <p:pic>
         <p:nvPicPr>
-          <p:cNvPr id="75" name="Google Shape;154;p11" descr=""/>
+          <p:cNvPr id="72" name="Google Shape;154;p11" descr=""/>
           <p:cNvPicPr/>
           <p:nvPr/>
         </p:nvPicPr>
@@ -2094,7 +1847,7 @@
         <p:spPr>
           <a:xfrm>
             <a:off x="0" y="0"/>
-            <a:ext cx="18287640" cy="10286640"/>
+            <a:ext cx="18287280" cy="10286280"/>
           </a:xfrm>
           <a:prstGeom prst="rect">
             <a:avLst/>
@@ -2106,19 +1859,19 @@
       </p:pic>
       <p:pic>
         <p:nvPicPr>
-          <p:cNvPr id="76" name="Google Shape;155;p11" descr=""/>
+          <p:cNvPr id="73" name="Google Shape;155;p11" descr=""/>
           <p:cNvPicPr/>
           <p:nvPr/>
         </p:nvPicPr>
         <p:blipFill>
           <a:blip r:embed="rId2"/>
-          <a:srcRect l="9793" t="0" r="0" b="64110"/>
+          <a:srcRect l="9792" t="0" r="0" b="64100"/>
           <a:stretch/>
         </p:blipFill>
         <p:spPr>
           <a:xfrm>
             <a:off x="0" y="-40680"/>
-            <a:ext cx="18287640" cy="4800600"/>
+            <a:ext cx="18287280" cy="4800240"/>
           </a:xfrm>
           <a:prstGeom prst="rect">
             <a:avLst/>
@@ -2130,28 +1883,28 @@
       </p:pic>
       <p:grpSp>
         <p:nvGrpSpPr>
-          <p:cNvPr id="77" name="Google Shape;156;p11"/>
+          <p:cNvPr id="74" name="Google Shape;156;p11"/>
           <p:cNvGrpSpPr/>
           <p:nvPr/>
         </p:nvGrpSpPr>
         <p:grpSpPr>
           <a:xfrm>
             <a:off x="1028880" y="6069240"/>
-            <a:ext cx="10450440" cy="3074040"/>
+            <a:ext cx="10450080" cy="3073680"/>
             <a:chOff x="1028880" y="6069240"/>
-            <a:chExt cx="10450440" cy="3074040"/>
+            <a:chExt cx="10450080" cy="3073680"/>
           </a:xfrm>
         </p:grpSpPr>
         <p:sp>
           <p:nvSpPr>
-            <p:cNvPr id="78" name="Google Shape;157;p11"/>
+            <p:cNvPr id="75" name="Google Shape;157;p11"/>
             <p:cNvSpPr/>
             <p:nvPr/>
           </p:nvSpPr>
           <p:spPr>
             <a:xfrm>
               <a:off x="1028880" y="6069240"/>
-              <a:ext cx="10450440" cy="1023840"/>
+              <a:ext cx="10450080" cy="1023840"/>
             </a:xfrm>
             <a:prstGeom prst="rect">
               <a:avLst/>
@@ -2198,14 +1951,14 @@
         </p:sp>
         <p:sp>
           <p:nvSpPr>
-            <p:cNvPr id="79" name="Google Shape;158;p11"/>
+            <p:cNvPr id="76" name="Google Shape;158;p11"/>
             <p:cNvSpPr/>
             <p:nvPr/>
           </p:nvSpPr>
           <p:spPr>
             <a:xfrm>
               <a:off x="1028880" y="7266600"/>
-              <a:ext cx="10450440" cy="1876680"/>
+              <a:ext cx="10450080" cy="1876320"/>
             </a:xfrm>
             <a:prstGeom prst="rect">
               <a:avLst/>
@@ -2253,19 +2006,19 @@
       </p:grpSp>
       <p:pic>
         <p:nvPicPr>
-          <p:cNvPr id="80" name="Google Shape;159;p11" descr=""/>
+          <p:cNvPr id="77" name="Google Shape;159;p11" descr=""/>
           <p:cNvPicPr/>
           <p:nvPr/>
         </p:nvPicPr>
         <p:blipFill>
           <a:blip r:embed="rId3"/>
-          <a:srcRect l="0" t="33662" r="0" b="21276"/>
+          <a:srcRect l="0" t="33658" r="0" b="21274"/>
           <a:stretch/>
         </p:blipFill>
         <p:spPr>
           <a:xfrm>
             <a:off x="0" y="-40680"/>
-            <a:ext cx="18288000" cy="5493960"/>
+            <a:ext cx="18287640" cy="5493600"/>
           </a:xfrm>
           <a:prstGeom prst="rect">
             <a:avLst/>
@@ -2314,7 +2067,7 @@
       </p:grpSpPr>
       <p:pic>
         <p:nvPicPr>
-          <p:cNvPr id="81" name="Google Shape;164;g7726ee8e14_0_9" descr=""/>
+          <p:cNvPr id="78" name="Google Shape;164;g7726ee8e14_0_9" descr=""/>
           <p:cNvPicPr/>
           <p:nvPr/>
         </p:nvPicPr>
@@ -2325,7 +2078,7 @@
         <p:spPr>
           <a:xfrm>
             <a:off x="0" y="0"/>
-            <a:ext cx="18287640" cy="10286640"/>
+            <a:ext cx="18287280" cy="10286280"/>
           </a:xfrm>
           <a:prstGeom prst="rect">
             <a:avLst/>
@@ -2337,14 +2090,14 @@
       </p:pic>
       <p:sp>
         <p:nvSpPr>
-          <p:cNvPr id="82" name="Google Shape;165;g7726ee8e14_0_9"/>
+          <p:cNvPr id="79" name="Google Shape;165;g7726ee8e14_0_9"/>
           <p:cNvSpPr/>
           <p:nvPr/>
         </p:nvSpPr>
         <p:spPr>
           <a:xfrm>
             <a:off x="1028880" y="2470680"/>
-            <a:ext cx="12864600" cy="958320"/>
+            <a:ext cx="12864240" cy="957960"/>
           </a:xfrm>
           <a:prstGeom prst="rect">
             <a:avLst/>
@@ -2365,7 +2118,7 @@
             <a:noAutofit/>
           </a:bodyPr>
           <a:p>
-            <a:pPr marL="457200" indent="-361440">
+            <a:pPr marL="457200" indent="-361080">
               <a:lnSpc>
                 <a:spcPct val="140000"/>
               </a:lnSpc>
@@ -2390,7 +2143,7 @@
             </a:endParaRPr>
           </a:p>
           <a:p>
-            <a:pPr marL="457200" indent="-361440">
+            <a:pPr marL="457200" indent="-361080">
               <a:lnSpc>
                 <a:spcPct val="140000"/>
               </a:lnSpc>
@@ -2415,7 +2168,7 @@
             </a:endParaRPr>
           </a:p>
           <a:p>
-            <a:pPr marL="457200" indent="-361440">
+            <a:pPr marL="457200" indent="-361080">
               <a:lnSpc>
                 <a:spcPct val="140000"/>
               </a:lnSpc>
@@ -2440,7 +2193,7 @@
             </a:endParaRPr>
           </a:p>
           <a:p>
-            <a:pPr marL="457200" indent="-361440">
+            <a:pPr marL="457200" indent="-361080">
               <a:lnSpc>
                 <a:spcPct val="140000"/>
               </a:lnSpc>
@@ -2487,7 +2240,7 @@
             </a:endParaRPr>
           </a:p>
           <a:p>
-            <a:pPr marL="457200" indent="-361440">
+            <a:pPr marL="457200" indent="-361080">
               <a:lnSpc>
                 <a:spcPct val="140000"/>
               </a:lnSpc>
@@ -2547,7 +2300,7 @@
             </a:endParaRPr>
           </a:p>
           <a:p>
-            <a:pPr marL="457200" indent="-361440">
+            <a:pPr marL="457200" indent="-361080">
               <a:lnSpc>
                 <a:spcPct val="140000"/>
               </a:lnSpc>
@@ -2575,7 +2328,7 @@
             </a:endParaRPr>
           </a:p>
           <a:p>
-            <a:pPr marL="457200" indent="-361440">
+            <a:pPr marL="457200" indent="-361080">
               <a:lnSpc>
                 <a:spcPct val="140000"/>
               </a:lnSpc>
@@ -2603,7 +2356,7 @@
             </a:endParaRPr>
           </a:p>
           <a:p>
-            <a:pPr marL="457200" indent="-361440">
+            <a:pPr marL="457200" indent="-361080">
               <a:lnSpc>
                 <a:spcPct val="140000"/>
               </a:lnSpc>
@@ -2683,14 +2436,14 @@
       </p:sp>
       <p:sp>
         <p:nvSpPr>
-          <p:cNvPr id="83" name="Google Shape;166;g7726ee8e14_0_9"/>
+          <p:cNvPr id="80" name="Google Shape;166;g7726ee8e14_0_9"/>
           <p:cNvSpPr/>
           <p:nvPr/>
         </p:nvSpPr>
         <p:spPr>
           <a:xfrm>
             <a:off x="1028880" y="1019160"/>
-            <a:ext cx="13170600" cy="853920"/>
+            <a:ext cx="13170240" cy="853560"/>
           </a:xfrm>
           <a:prstGeom prst="rect">
             <a:avLst/>
@@ -2774,7 +2527,7 @@
       </p:grpSpPr>
       <p:pic>
         <p:nvPicPr>
-          <p:cNvPr id="84" name="Google Shape;171;g865dc84d31_0_16" descr=""/>
+          <p:cNvPr id="81" name="Google Shape;171;g865dc84d31_0_16" descr=""/>
           <p:cNvPicPr/>
           <p:nvPr/>
         </p:nvPicPr>
@@ -2785,7 +2538,7 @@
         <p:spPr>
           <a:xfrm>
             <a:off x="0" y="0"/>
-            <a:ext cx="18287640" cy="10286640"/>
+            <a:ext cx="18287280" cy="10286280"/>
           </a:xfrm>
           <a:prstGeom prst="rect">
             <a:avLst/>
@@ -2797,14 +2550,14 @@
       </p:pic>
       <p:sp>
         <p:nvSpPr>
-          <p:cNvPr id="85" name="Google Shape;172;g865dc84d31_0_16"/>
+          <p:cNvPr id="82" name="Google Shape;172;g865dc84d31_0_16"/>
           <p:cNvSpPr/>
           <p:nvPr/>
         </p:nvSpPr>
         <p:spPr>
           <a:xfrm>
             <a:off x="1028880" y="1019160"/>
-            <a:ext cx="13170600" cy="853920"/>
+            <a:ext cx="13170240" cy="853560"/>
           </a:xfrm>
           <a:prstGeom prst="rect">
             <a:avLst/>
@@ -2851,14 +2604,14 @@
       </p:sp>
       <p:sp>
         <p:nvSpPr>
-          <p:cNvPr id="86" name="Google Shape;173;g865dc84d31_0_16"/>
+          <p:cNvPr id="83" name="Google Shape;173;g865dc84d31_0_16"/>
           <p:cNvSpPr/>
           <p:nvPr/>
         </p:nvSpPr>
         <p:spPr>
           <a:xfrm>
             <a:off x="1028880" y="2470680"/>
-            <a:ext cx="12864600" cy="853920"/>
+            <a:ext cx="12864240" cy="853560"/>
           </a:xfrm>
           <a:prstGeom prst="rect">
             <a:avLst/>
@@ -2934,10 +2687,11 @@
               <a:t>Repositório contendo notebooks com a solução dos desafios: </a:t>
             </a:r>
             <a:r>
-              <a:rPr b="0" lang="pt-BR" sz="2100" spc="-1" strike="noStrike">
+              <a:rPr b="0" lang="pt-BR" sz="2100" spc="-1" strike="noStrike" u="sng">
                 <a:solidFill>
-                  <a:srgbClr val="818285"/>
+                  <a:srgbClr val="0000ff"/>
                 </a:solidFill>
+                <a:uFillTx/>
                 <a:latin typeface="Montserrat"/>
                 <a:ea typeface="Montserrat"/>
                 <a:hlinkClick r:id="rId2"/>
@@ -3071,7 +2825,7 @@
                 <a:latin typeface="Montserrat"/>
                 <a:ea typeface="Montserrat"/>
               </a:rPr>
-              <a:t>O arquivo exploracao.ipynb possui a analise e respostas do desafio</a:t>
+              <a:t>O arquivo exploracao.ipynb possui a analise e respostas do desafio.</a:t>
             </a:r>
             <a:endParaRPr b="0" lang="pt-BR" sz="2100" spc="-1" strike="noStrike">
               <a:latin typeface="Arial"/>
@@ -3118,7 +2872,7 @@
       </p:grpSpPr>
       <p:pic>
         <p:nvPicPr>
-          <p:cNvPr id="87" name="Google Shape;178;g865dc84d31_0_22" descr=""/>
+          <p:cNvPr id="84" name="Google Shape;178;g865dc84d31_0_22" descr=""/>
           <p:cNvPicPr/>
           <p:nvPr/>
         </p:nvPicPr>
@@ -3129,7 +2883,7 @@
         <p:spPr>
           <a:xfrm>
             <a:off x="0" y="0"/>
-            <a:ext cx="18287640" cy="10286640"/>
+            <a:ext cx="18287280" cy="10286280"/>
           </a:xfrm>
           <a:prstGeom prst="rect">
             <a:avLst/>
@@ -3141,14 +2895,14 @@
       </p:pic>
       <p:sp>
         <p:nvSpPr>
-          <p:cNvPr id="88" name="Google Shape;179;g865dc84d31_0_22"/>
+          <p:cNvPr id="85" name="Google Shape;179;g865dc84d31_0_22"/>
           <p:cNvSpPr/>
           <p:nvPr/>
         </p:nvSpPr>
         <p:spPr>
           <a:xfrm>
             <a:off x="1028880" y="1019160"/>
-            <a:ext cx="13170600" cy="853920"/>
+            <a:ext cx="13170240" cy="853560"/>
           </a:xfrm>
           <a:prstGeom prst="rect">
             <a:avLst/>
@@ -3195,14 +2949,14 @@
       </p:sp>
       <p:sp>
         <p:nvSpPr>
-          <p:cNvPr id="89" name="Google Shape;180;g865dc84d31_0_22"/>
+          <p:cNvPr id="86" name="Google Shape;180;g865dc84d31_0_22"/>
           <p:cNvSpPr/>
           <p:nvPr/>
         </p:nvSpPr>
         <p:spPr>
           <a:xfrm>
             <a:off x="1028880" y="2104920"/>
-            <a:ext cx="12864600" cy="853920"/>
+            <a:ext cx="12864240" cy="853560"/>
           </a:xfrm>
           <a:prstGeom prst="rect">
             <a:avLst/>
@@ -3249,13 +3003,13 @@
       </p:sp>
       <p:graphicFrame>
         <p:nvGraphicFramePr>
-          <p:cNvPr id="90" name="Google Shape;181;g865dc84d31_0_22"/>
+          <p:cNvPr id="87" name="Google Shape;181;g865dc84d31_0_22"/>
           <p:cNvGraphicFramePr/>
           <p:nvPr/>
         </p:nvGraphicFramePr>
         <p:xfrm>
           <a:off x="1028880" y="3269520"/>
-          <a:ext cx="4003920" cy="4647960"/>
+          <a:ext cx="4003560" cy="5382720"/>
         </p:xfrm>
         <a:graphic>
           <a:graphicData uri="http://schemas.openxmlformats.org/drawingml/2006/table">
@@ -3268,7 +3022,7 @@
               <a:tr h="447840">
                 <a:tc gridSpan="2">
                   <a:txBody>
-                    <a:bodyPr lIns="91080" rIns="91080" tIns="91080" bIns="91080">
+                    <a:bodyPr lIns="91080" rIns="91080">
                       <a:noAutofit/>
                     </a:bodyPr>
                     <a:p>
@@ -3332,7 +3086,7 @@
               <a:tr h="447840">
                 <a:tc>
                   <a:txBody>
-                    <a:bodyPr lIns="91080" rIns="91080" tIns="91080" bIns="91080">
+                    <a:bodyPr lIns="91080" rIns="91080">
                       <a:noAutofit/>
                     </a:bodyPr>
                     <a:p>
@@ -3385,7 +3139,7 @@
                 </a:tc>
                 <a:tc>
                   <a:txBody>
-                    <a:bodyPr lIns="91080" rIns="91080" tIns="91080" bIns="91080">
+                    <a:bodyPr lIns="91080" rIns="91080">
                       <a:noAutofit/>
                     </a:bodyPr>
                     <a:p>
@@ -3440,7 +3194,7 @@
               <a:tr h="447840">
                 <a:tc>
                   <a:txBody>
-                    <a:bodyPr lIns="91080" rIns="91080" tIns="91080" bIns="91080">
+                    <a:bodyPr lIns="91080" rIns="91080">
                       <a:noAutofit/>
                     </a:bodyPr>
                     <a:p>
@@ -3520,7 +3274,7 @@
               <a:tr h="447840">
                 <a:tc>
                   <a:txBody>
-                    <a:bodyPr lIns="91080" rIns="91080" tIns="91080" bIns="91080">
+                    <a:bodyPr lIns="91080" rIns="91080">
                       <a:noAutofit/>
                     </a:bodyPr>
                     <a:p>
@@ -3600,7 +3354,7 @@
               <a:tr h="447840">
                 <a:tc>
                   <a:txBody>
-                    <a:bodyPr lIns="91080" rIns="91080" tIns="91080" bIns="91080">
+                    <a:bodyPr lIns="91080" rIns="91080">
                       <a:noAutofit/>
                     </a:bodyPr>
                     <a:p>
@@ -3680,7 +3434,7 @@
               <a:tr h="447840">
                 <a:tc gridSpan="2">
                   <a:txBody>
-                    <a:bodyPr lIns="91080" rIns="91080" tIns="91080" bIns="91080">
+                    <a:bodyPr lIns="91080" rIns="91080">
                       <a:noAutofit/>
                     </a:bodyPr>
                     <a:p>
@@ -3744,7 +3498,7 @@
               <a:tr h="456840">
                 <a:tc>
                   <a:txBody>
-                    <a:bodyPr lIns="91080" rIns="91080" tIns="91080" bIns="91080">
+                    <a:bodyPr lIns="91080" rIns="91080">
                       <a:noAutofit/>
                     </a:bodyPr>
                     <a:p>
@@ -3797,7 +3551,7 @@
                 </a:tc>
                 <a:tc>
                   <a:txBody>
-                    <a:bodyPr lIns="91080" rIns="91080" tIns="91080" bIns="91080">
+                    <a:bodyPr lIns="91080" rIns="91080">
                       <a:noAutofit/>
                     </a:bodyPr>
                     <a:p>
@@ -3852,7 +3606,7 @@
               <a:tr h="447840">
                 <a:tc>
                   <a:txBody>
-                    <a:bodyPr lIns="91080" rIns="91080" tIns="91080" bIns="91080">
+                    <a:bodyPr lIns="91080" rIns="91080">
                       <a:noAutofit/>
                     </a:bodyPr>
                     <a:p>
@@ -3932,7 +3686,7 @@
               <a:tr h="447840">
                 <a:tc>
                   <a:txBody>
-                    <a:bodyPr lIns="91080" rIns="91080" tIns="91080" bIns="91080">
+                    <a:bodyPr lIns="91080" rIns="91080">
                       <a:noAutofit/>
                     </a:bodyPr>
                     <a:p>
@@ -4012,7 +3766,7 @@
               <a:tr h="447840">
                 <a:tc>
                   <a:txBody>
-                    <a:bodyPr lIns="91080" rIns="91080" tIns="91080" bIns="91080">
+                    <a:bodyPr lIns="91080" rIns="91080">
                       <a:noAutofit/>
                     </a:bodyPr>
                     <a:p>
@@ -4092,7 +3846,7 @@
               <a:tr h="447840">
                 <a:tc>
                   <a:txBody>
-                    <a:bodyPr lIns="91080" rIns="91080" tIns="91080" bIns="91080">
+                    <a:bodyPr lIns="91080" rIns="91080">
                       <a:noAutofit/>
                     </a:bodyPr>
                     <a:p>
@@ -4172,7 +3926,7 @@
               <a:tr h="447840">
                 <a:tc>
                   <a:txBody>
-                    <a:bodyPr lIns="91080" rIns="91080" tIns="91080" bIns="91080">
+                    <a:bodyPr lIns="91080" rIns="91080">
                       <a:noAutofit/>
                     </a:bodyPr>
                     <a:p>
@@ -4257,13 +4011,13 @@
       </p:graphicFrame>
       <p:graphicFrame>
         <p:nvGraphicFramePr>
-          <p:cNvPr id="91" name="Google Shape;182;g865dc84d31_0_22"/>
+          <p:cNvPr id="88" name="Google Shape;182;g865dc84d31_0_22"/>
           <p:cNvGraphicFramePr/>
           <p:nvPr/>
         </p:nvGraphicFramePr>
         <p:xfrm>
           <a:off x="6922800" y="3269520"/>
-          <a:ext cx="7176960" cy="5049360"/>
+          <a:ext cx="7176600" cy="5279400"/>
         </p:xfrm>
         <a:graphic>
           <a:graphicData uri="http://schemas.openxmlformats.org/drawingml/2006/table">
@@ -4276,7 +4030,7 @@
               <a:tr h="466920">
                 <a:tc>
                   <a:txBody>
-                    <a:bodyPr lIns="91080" rIns="91080" tIns="91080" bIns="91080">
+                    <a:bodyPr lIns="91080" rIns="91080">
                       <a:noAutofit/>
                     </a:bodyPr>
                     <a:p>
@@ -4331,7 +4085,7 @@
                 </a:tc>
                 <a:tc>
                   <a:txBody>
-                    <a:bodyPr lIns="91080" rIns="91080" tIns="91080" bIns="91080">
+                    <a:bodyPr lIns="91080" rIns="91080">
                       <a:noAutofit/>
                     </a:bodyPr>
                     <a:p>
@@ -4388,7 +4142,7 @@
               <a:tr h="978480">
                 <a:tc>
                   <a:txBody>
-                    <a:bodyPr lIns="91080" rIns="91080" tIns="91080" bIns="91080">
+                    <a:bodyPr lIns="91080" rIns="91080">
                       <a:noAutofit/>
                     </a:bodyPr>
                     <a:p>
@@ -4441,7 +4195,7 @@
                 </a:tc>
                 <a:tc>
                   <a:txBody>
-                    <a:bodyPr lIns="91080" rIns="91080" tIns="91080" bIns="91080">
+                    <a:bodyPr lIns="91080" rIns="91080">
                       <a:noAutofit/>
                     </a:bodyPr>
                     <a:p>
@@ -4496,7 +4250,7 @@
               <a:tr h="1028880">
                 <a:tc>
                   <a:txBody>
-                    <a:bodyPr lIns="91080" rIns="91080" tIns="91080" bIns="91080">
+                    <a:bodyPr lIns="91080" rIns="91080">
                       <a:noAutofit/>
                     </a:bodyPr>
                     <a:p>
@@ -4549,7 +4303,7 @@
                 </a:tc>
                 <a:tc>
                   <a:txBody>
-                    <a:bodyPr lIns="91080" rIns="91080" tIns="91080" bIns="91080">
+                    <a:bodyPr lIns="91080" rIns="91080">
                       <a:noAutofit/>
                     </a:bodyPr>
                     <a:p>
@@ -4604,7 +4358,7 @@
               <a:tr h="1028880">
                 <a:tc>
                   <a:txBody>
-                    <a:bodyPr lIns="91080" rIns="91080" tIns="91080" bIns="91080">
+                    <a:bodyPr lIns="91080" rIns="91080">
                       <a:noAutofit/>
                     </a:bodyPr>
                     <a:p>
@@ -4657,7 +4411,7 @@
                 </a:tc>
                 <a:tc>
                   <a:txBody>
-                    <a:bodyPr lIns="91080" rIns="91080" tIns="91080" bIns="91080">
+                    <a:bodyPr lIns="91080" rIns="91080">
                       <a:noAutofit/>
                     </a:bodyPr>
                     <a:p>
@@ -4712,7 +4466,7 @@
               <a:tr h="1028880">
                 <a:tc>
                   <a:txBody>
-                    <a:bodyPr lIns="91080" rIns="91080" tIns="91080" bIns="91080">
+                    <a:bodyPr lIns="91080" rIns="91080">
                       <a:noAutofit/>
                     </a:bodyPr>
                     <a:p>
@@ -4765,7 +4519,7 @@
                 </a:tc>
                 <a:tc>
                   <a:txBody>
-                    <a:bodyPr lIns="91080" rIns="91080" tIns="91080" bIns="91080">
+                    <a:bodyPr lIns="91080" rIns="91080">
                       <a:noAutofit/>
                     </a:bodyPr>
                     <a:p>
@@ -4820,7 +4574,7 @@
               <a:tr h="747720">
                 <a:tc>
                   <a:txBody>
-                    <a:bodyPr lIns="91080" rIns="91080" tIns="91080" bIns="91080">
+                    <a:bodyPr lIns="91080" rIns="91080">
                       <a:noAutofit/>
                     </a:bodyPr>
                     <a:p>
@@ -4873,7 +4627,7 @@
                 </a:tc>
                 <a:tc>
                   <a:txBody>
-                    <a:bodyPr lIns="91080" rIns="91080" tIns="91080" bIns="91080">
+                    <a:bodyPr lIns="91080" rIns="91080">
                       <a:noAutofit/>
                     </a:bodyPr>
                     <a:p>
@@ -4968,7 +4722,7 @@
       </p:grpSpPr>
       <p:pic>
         <p:nvPicPr>
-          <p:cNvPr id="92" name="Google Shape;187;g865dc84d31_0_29" descr=""/>
+          <p:cNvPr id="89" name="Google Shape;187;g865dc84d31_0_29" descr=""/>
           <p:cNvPicPr/>
           <p:nvPr/>
         </p:nvPicPr>
@@ -4979,7 +4733,7 @@
         <p:spPr>
           <a:xfrm>
             <a:off x="0" y="0"/>
-            <a:ext cx="18287640" cy="10286640"/>
+            <a:ext cx="18287280" cy="10286280"/>
           </a:xfrm>
           <a:prstGeom prst="rect">
             <a:avLst/>
@@ -4991,14 +4745,14 @@
       </p:pic>
       <p:sp>
         <p:nvSpPr>
-          <p:cNvPr id="93" name="Google Shape;188;g865dc84d31_0_29"/>
+          <p:cNvPr id="90" name="Google Shape;188;g865dc84d31_0_29"/>
           <p:cNvSpPr/>
           <p:nvPr/>
         </p:nvSpPr>
         <p:spPr>
           <a:xfrm>
             <a:off x="1028880" y="1019160"/>
-            <a:ext cx="13170600" cy="853920"/>
+            <a:ext cx="13170240" cy="853560"/>
           </a:xfrm>
           <a:prstGeom prst="rect">
             <a:avLst/>
@@ -5045,14 +4799,14 @@
       </p:sp>
       <p:sp>
         <p:nvSpPr>
-          <p:cNvPr id="94" name="Google Shape;189;g865dc84d31_0_29"/>
+          <p:cNvPr id="91" name="Google Shape;189;g865dc84d31_0_29"/>
           <p:cNvSpPr/>
           <p:nvPr/>
         </p:nvSpPr>
         <p:spPr>
           <a:xfrm>
             <a:off x="1028880" y="2104920"/>
-            <a:ext cx="12864600" cy="853920"/>
+            <a:ext cx="12864240" cy="853560"/>
           </a:xfrm>
           <a:prstGeom prst="rect">
             <a:avLst/>
@@ -5099,13 +4853,13 @@
       </p:sp>
       <p:graphicFrame>
         <p:nvGraphicFramePr>
-          <p:cNvPr id="95" name="Google Shape;190;g865dc84d31_0_29"/>
+          <p:cNvPr id="92" name="Google Shape;190;g865dc84d31_0_29"/>
           <p:cNvGraphicFramePr/>
           <p:nvPr/>
         </p:nvGraphicFramePr>
         <p:xfrm>
           <a:off x="1028880" y="3269520"/>
-          <a:ext cx="11828880" cy="3809520"/>
+          <a:ext cx="11828520" cy="4743360"/>
         </p:xfrm>
         <a:graphic>
           <a:graphicData uri="http://schemas.openxmlformats.org/drawingml/2006/table">
@@ -5118,7 +4872,7 @@
               <a:tr h="447840">
                 <a:tc gridSpan="2">
                   <a:txBody>
-                    <a:bodyPr lIns="91080" rIns="91080" tIns="91080" bIns="91080">
+                    <a:bodyPr lIns="91080" rIns="91080">
                       <a:noAutofit/>
                     </a:bodyPr>
                     <a:p>
@@ -5182,7 +4936,7 @@
               <a:tr h="447840">
                 <a:tc gridSpan="2">
                   <a:txBody>
-                    <a:bodyPr lIns="91080" rIns="91080" tIns="91080" bIns="91080">
+                    <a:bodyPr lIns="91080" rIns="91080">
                       <a:noAutofit/>
                     </a:bodyPr>
                     <a:p>
@@ -5244,7 +4998,7 @@
               <a:tr h="447840">
                 <a:tc>
                   <a:txBody>
-                    <a:bodyPr lIns="91080" rIns="91080" tIns="91080" bIns="91080">
+                    <a:bodyPr lIns="91080" rIns="91080">
                       <a:noAutofit/>
                     </a:bodyPr>
                     <a:p>
@@ -5297,7 +5051,7 @@
                 </a:tc>
                 <a:tc>
                   <a:txBody>
-                    <a:bodyPr lIns="91080" rIns="91080" tIns="91080" bIns="91080">
+                    <a:bodyPr lIns="91080" rIns="91080">
                       <a:noAutofit/>
                     </a:bodyPr>
                     <a:p>
@@ -5352,7 +5106,7 @@
               <a:tr h="447840">
                 <a:tc gridSpan="2">
                   <a:txBody>
-                    <a:bodyPr lIns="91080" rIns="91080" tIns="91080" bIns="91080">
+                    <a:bodyPr lIns="91080" rIns="91080">
                       <a:noAutofit/>
                     </a:bodyPr>
                     <a:p>
@@ -5416,7 +5170,7 @@
               <a:tr h="447840">
                 <a:tc gridSpan="2">
                   <a:txBody>
-                    <a:bodyPr lIns="91080" rIns="91080" tIns="91080" bIns="91080">
+                    <a:bodyPr lIns="91080" rIns="91080">
                       <a:noAutofit/>
                     </a:bodyPr>
                     <a:p>
@@ -5478,7 +5232,7 @@
               <a:tr h="447840">
                 <a:tc>
                   <a:txBody>
-                    <a:bodyPr lIns="91080" rIns="91080" tIns="91080" bIns="91080">
+                    <a:bodyPr lIns="91080" rIns="91080">
                       <a:noAutofit/>
                     </a:bodyPr>
                     <a:p>
@@ -5531,7 +5285,7 @@
                 </a:tc>
                 <a:tc>
                   <a:txBody>
-                    <a:bodyPr lIns="91080" rIns="91080" tIns="91080" bIns="91080">
+                    <a:bodyPr lIns="91080" rIns="91080">
                       <a:noAutofit/>
                     </a:bodyPr>
                     <a:p>
@@ -5586,7 +5340,7 @@
               <a:tr h="447840">
                 <a:tc gridSpan="2">
                   <a:txBody>
-                    <a:bodyPr lIns="91080" rIns="91080" tIns="91080" bIns="91080">
+                    <a:bodyPr lIns="91080" rIns="91080">
                       <a:noAutofit/>
                     </a:bodyPr>
                     <a:p>
@@ -5650,7 +5404,7 @@
               <a:tr h="713160">
                 <a:tc gridSpan="2">
                   <a:txBody>
-                    <a:bodyPr lIns="91080" rIns="91080" tIns="91080" bIns="91080">
+                    <a:bodyPr lIns="91080" rIns="91080">
                       <a:noAutofit/>
                     </a:bodyPr>
                     <a:p>
@@ -5712,7 +5466,7 @@
               <a:tr h="447840">
                 <a:tc>
                   <a:txBody>
-                    <a:bodyPr lIns="91080" rIns="91080" tIns="91080" bIns="91080">
+                    <a:bodyPr lIns="91080" rIns="91080">
                       <a:noAutofit/>
                     </a:bodyPr>
                     <a:p>
@@ -5765,7 +5519,7 @@
                 </a:tc>
                 <a:tc>
                   <a:txBody>
-                    <a:bodyPr lIns="91080" rIns="91080" tIns="91080" bIns="91080">
+                    <a:bodyPr lIns="91080" rIns="91080">
                       <a:noAutofit/>
                     </a:bodyPr>
                     <a:p>
@@ -5820,7 +5574,7 @@
               <a:tr h="447840">
                 <a:tc>
                   <a:txBody>
-                    <a:bodyPr lIns="91080" rIns="91080" tIns="91080" bIns="91080">
+                    <a:bodyPr lIns="91080" rIns="91080">
                       <a:noAutofit/>
                     </a:bodyPr>
                     <a:p>
@@ -5905,13 +5659,13 @@
       </p:graphicFrame>
       <p:graphicFrame>
         <p:nvGraphicFramePr>
-          <p:cNvPr id="96" name="Google Shape;191;g865dc84d31_0_29"/>
+          <p:cNvPr id="93" name="Google Shape;191;g865dc84d31_0_29"/>
           <p:cNvGraphicFramePr/>
           <p:nvPr/>
         </p:nvGraphicFramePr>
         <p:xfrm>
           <a:off x="1028520" y="8880120"/>
-          <a:ext cx="11828880" cy="396000"/>
+          <a:ext cx="11828520" cy="447480"/>
         </p:xfrm>
         <a:graphic>
           <a:graphicData uri="http://schemas.openxmlformats.org/drawingml/2006/table">
@@ -5924,7 +5678,7 @@
               <a:tr h="447840">
                 <a:tc>
                   <a:txBody>
-                    <a:bodyPr lIns="91080" rIns="91080" tIns="91080" bIns="91080">
+                    <a:bodyPr lIns="91080" rIns="91080">
                       <a:noAutofit/>
                     </a:bodyPr>
                     <a:p>
@@ -6039,7 +5793,7 @@
       </p:grpSpPr>
       <p:pic>
         <p:nvPicPr>
-          <p:cNvPr id="97" name="Google Shape;196;p16" descr=""/>
+          <p:cNvPr id="94" name="Google Shape;196;p16" descr=""/>
           <p:cNvPicPr/>
           <p:nvPr/>
         </p:nvPicPr>
@@ -6050,7 +5804,7 @@
         <p:spPr>
           <a:xfrm>
             <a:off x="5057640" y="3473280"/>
-            <a:ext cx="8172360" cy="3340080"/>
+            <a:ext cx="8172000" cy="3339720"/>
           </a:xfrm>
           <a:prstGeom prst="rect">
             <a:avLst/>
@@ -6092,7 +5846,7 @@
       </p:grpSpPr>
       <p:pic>
         <p:nvPicPr>
-          <p:cNvPr id="44" name="Google Shape;91;p8" descr=""/>
+          <p:cNvPr id="41" name="Google Shape;91;p8" descr=""/>
           <p:cNvPicPr/>
           <p:nvPr/>
         </p:nvPicPr>
@@ -6103,7 +5857,7 @@
         <p:spPr>
           <a:xfrm>
             <a:off x="0" y="0"/>
-            <a:ext cx="18287640" cy="10286640"/>
+            <a:ext cx="18287280" cy="10286280"/>
           </a:xfrm>
           <a:prstGeom prst="rect">
             <a:avLst/>
@@ -6115,19 +5869,19 @@
       </p:pic>
       <p:pic>
         <p:nvPicPr>
-          <p:cNvPr id="45" name="Google Shape;92;p8" descr=""/>
+          <p:cNvPr id="42" name="Google Shape;92;p8" descr=""/>
           <p:cNvPicPr/>
           <p:nvPr/>
         </p:nvPicPr>
         <p:blipFill>
           <a:blip r:embed="rId2"/>
-          <a:srcRect l="29648" t="0" r="21926" b="0"/>
+          <a:srcRect l="29645" t="0" r="21923" b="0"/>
           <a:stretch/>
         </p:blipFill>
         <p:spPr>
           <a:xfrm>
             <a:off x="1028880" y="1028880"/>
-            <a:ext cx="5975640" cy="8229240"/>
+            <a:ext cx="5975280" cy="8228880"/>
           </a:xfrm>
           <a:prstGeom prst="rect">
             <a:avLst/>
@@ -6139,14 +5893,14 @@
       </p:pic>
       <p:sp>
         <p:nvSpPr>
-          <p:cNvPr id="46" name="Google Shape;93;p8"/>
+          <p:cNvPr id="43" name="Google Shape;93;p8"/>
           <p:cNvSpPr/>
           <p:nvPr/>
         </p:nvSpPr>
         <p:spPr>
           <a:xfrm>
             <a:off x="9218880" y="1019160"/>
-            <a:ext cx="7902360" cy="1024560"/>
+            <a:ext cx="7902000" cy="1024200"/>
           </a:xfrm>
           <a:prstGeom prst="rect">
             <a:avLst/>
@@ -6193,28 +5947,28 @@
       </p:sp>
       <p:grpSp>
         <p:nvGrpSpPr>
-          <p:cNvPr id="47" name="Google Shape;94;p8"/>
+          <p:cNvPr id="44" name="Google Shape;94;p8"/>
           <p:cNvGrpSpPr/>
           <p:nvPr/>
         </p:nvGrpSpPr>
         <p:grpSpPr>
           <a:xfrm>
             <a:off x="9218880" y="4717440"/>
-            <a:ext cx="7902360" cy="4540320"/>
+            <a:ext cx="7902000" cy="4539960"/>
             <a:chOff x="9218880" y="4717440"/>
-            <a:chExt cx="7902360" cy="4540320"/>
+            <a:chExt cx="7902000" cy="4539960"/>
           </a:xfrm>
         </p:grpSpPr>
         <p:sp>
           <p:nvSpPr>
-            <p:cNvPr id="48" name="Google Shape;95;p8"/>
+            <p:cNvPr id="45" name="Google Shape;95;p8"/>
             <p:cNvSpPr/>
             <p:nvPr/>
           </p:nvSpPr>
           <p:spPr>
             <a:xfrm>
               <a:off x="9218880" y="4717440"/>
-              <a:ext cx="7902360" cy="2345040"/>
+              <a:ext cx="7902000" cy="2345040"/>
             </a:xfrm>
             <a:prstGeom prst="rect">
               <a:avLst/>
@@ -6284,14 +6038,14 @@
         </p:sp>
         <p:sp>
           <p:nvSpPr>
-            <p:cNvPr id="49" name="Google Shape;96;p8"/>
+            <p:cNvPr id="46" name="Google Shape;96;p8"/>
             <p:cNvSpPr/>
             <p:nvPr/>
           </p:nvSpPr>
           <p:spPr>
             <a:xfrm>
               <a:off x="9218880" y="7355520"/>
-              <a:ext cx="7902360" cy="1902240"/>
+              <a:ext cx="7902000" cy="1901880"/>
             </a:xfrm>
             <a:prstGeom prst="rect">
               <a:avLst/>
@@ -6348,7 +6102,7 @@
       </p:grpSpPr>
       <p:pic>
         <p:nvPicPr>
-          <p:cNvPr id="50" name="Google Shape;101;p5" descr=""/>
+          <p:cNvPr id="47" name="Google Shape;101;p5" descr=""/>
           <p:cNvPicPr/>
           <p:nvPr/>
         </p:nvPicPr>
@@ -6359,7 +6113,7 @@
         <p:spPr>
           <a:xfrm>
             <a:off x="0" y="0"/>
-            <a:ext cx="18287640" cy="10286640"/>
+            <a:ext cx="18287280" cy="10286280"/>
           </a:xfrm>
           <a:prstGeom prst="rect">
             <a:avLst/>
@@ -6371,19 +6125,19 @@
       </p:pic>
       <p:pic>
         <p:nvPicPr>
-          <p:cNvPr id="51" name="Google Shape;102;p5" descr=""/>
+          <p:cNvPr id="48" name="Google Shape;102;p5" descr=""/>
           <p:cNvPicPr/>
           <p:nvPr/>
         </p:nvPicPr>
         <p:blipFill>
           <a:blip r:embed="rId2"/>
-          <a:srcRect l="23930" t="4767" r="10742" b="20221"/>
+          <a:srcRect l="23928" t="4767" r="10742" b="20217"/>
           <a:stretch/>
         </p:blipFill>
         <p:spPr>
           <a:xfrm>
             <a:off x="11880720" y="5364720"/>
-            <a:ext cx="5378040" cy="4114440"/>
+            <a:ext cx="5377680" cy="4114080"/>
           </a:xfrm>
           <a:prstGeom prst="rect">
             <a:avLst/>
@@ -6395,14 +6149,14 @@
       </p:pic>
       <p:sp>
         <p:nvSpPr>
-          <p:cNvPr id="52" name="Google Shape;103;p5"/>
+          <p:cNvPr id="49" name="Google Shape;103;p5"/>
           <p:cNvSpPr/>
           <p:nvPr/>
         </p:nvSpPr>
         <p:spPr>
           <a:xfrm>
             <a:off x="1028880" y="1418400"/>
-            <a:ext cx="9842040" cy="2048040"/>
+            <a:ext cx="9841680" cy="2048040"/>
           </a:xfrm>
           <a:prstGeom prst="rect">
             <a:avLst/>
@@ -6472,7 +6226,7 @@
       </p:sp>
       <p:pic>
         <p:nvPicPr>
-          <p:cNvPr id="53" name="Google Shape;104;p5" descr=""/>
+          <p:cNvPr id="50" name="Google Shape;104;p5" descr=""/>
           <p:cNvPicPr/>
           <p:nvPr/>
         </p:nvPicPr>
@@ -6484,7 +6238,7 @@
         <p:spPr>
           <a:xfrm>
             <a:off x="9762480" y="5364720"/>
-            <a:ext cx="7496640" cy="4114440"/>
+            <a:ext cx="7496280" cy="4114080"/>
           </a:xfrm>
           <a:prstGeom prst="rect">
             <a:avLst/>
@@ -6496,19 +6250,19 @@
       </p:pic>
       <p:pic>
         <p:nvPicPr>
-          <p:cNvPr id="54" name="Google Shape;105;p5" descr=""/>
+          <p:cNvPr id="51" name="Google Shape;105;p5" descr=""/>
           <p:cNvPicPr/>
           <p:nvPr/>
         </p:nvPicPr>
         <p:blipFill>
           <a:blip r:embed="rId4"/>
-          <a:srcRect l="0" t="4938" r="0" b="22537"/>
+          <a:srcRect l="0" t="4938" r="0" b="22534"/>
           <a:stretch/>
         </p:blipFill>
         <p:spPr>
           <a:xfrm>
             <a:off x="1028880" y="5364720"/>
-            <a:ext cx="8510760" cy="4114440"/>
+            <a:ext cx="8510400" cy="4114080"/>
           </a:xfrm>
           <a:prstGeom prst="rect">
             <a:avLst/>
@@ -6557,7 +6311,7 @@
       </p:grpSpPr>
       <p:pic>
         <p:nvPicPr>
-          <p:cNvPr id="55" name="Google Shape;110;g8baf1bef27_0_1" descr=""/>
+          <p:cNvPr id="52" name="Google Shape;110;g8baf1bef27_0_1" descr=""/>
           <p:cNvPicPr/>
           <p:nvPr/>
         </p:nvPicPr>
@@ -6568,7 +6322,7 @@
         <p:spPr>
           <a:xfrm>
             <a:off x="0" y="0"/>
-            <a:ext cx="18287640" cy="10286640"/>
+            <a:ext cx="18287280" cy="10286280"/>
           </a:xfrm>
           <a:prstGeom prst="rect">
             <a:avLst/>
@@ -6580,14 +6334,14 @@
       </p:pic>
       <p:sp>
         <p:nvSpPr>
-          <p:cNvPr id="56" name="Google Shape;111;g8baf1bef27_0_1"/>
+          <p:cNvPr id="53" name="Google Shape;111;g8baf1bef27_0_1"/>
           <p:cNvSpPr/>
           <p:nvPr/>
         </p:nvSpPr>
         <p:spPr>
           <a:xfrm>
             <a:off x="1028880" y="1828800"/>
-            <a:ext cx="10225800" cy="853920"/>
+            <a:ext cx="10225440" cy="853560"/>
           </a:xfrm>
           <a:prstGeom prst="rect">
             <a:avLst/>
@@ -6634,14 +6388,14 @@
       </p:sp>
       <p:sp>
         <p:nvSpPr>
-          <p:cNvPr id="57" name="Google Shape;112;g8baf1bef27_0_1"/>
+          <p:cNvPr id="54" name="Google Shape;112;g8baf1bef27_0_1"/>
           <p:cNvSpPr/>
           <p:nvPr/>
         </p:nvSpPr>
         <p:spPr>
           <a:xfrm>
             <a:off x="9712800" y="6272640"/>
-            <a:ext cx="7530840" cy="2797560"/>
+            <a:ext cx="7530480" cy="2797200"/>
           </a:xfrm>
           <a:prstGeom prst="rect">
             <a:avLst/>
@@ -6662,7 +6416,7 @@
             <a:noAutofit/>
           </a:bodyPr>
           <a:p>
-            <a:pPr marL="457200" indent="-367920">
+            <a:pPr marL="457200" indent="-367560">
               <a:lnSpc>
                 <a:spcPct val="140000"/>
               </a:lnSpc>
@@ -6687,7 +6441,7 @@
             </a:endParaRPr>
           </a:p>
           <a:p>
-            <a:pPr marL="457200" indent="-367920">
+            <a:pPr marL="457200" indent="-367560">
               <a:lnSpc>
                 <a:spcPct val="140000"/>
               </a:lnSpc>
@@ -6712,7 +6466,7 @@
             </a:endParaRPr>
           </a:p>
           <a:p>
-            <a:pPr marL="457200" indent="-367920">
+            <a:pPr marL="457200" indent="-367560">
               <a:lnSpc>
                 <a:spcPct val="140000"/>
               </a:lnSpc>
@@ -6737,7 +6491,7 @@
             </a:endParaRPr>
           </a:p>
           <a:p>
-            <a:pPr marL="457200" indent="-367920">
+            <a:pPr marL="457200" indent="-367560">
               <a:lnSpc>
                 <a:spcPct val="140000"/>
               </a:lnSpc>
@@ -6762,7 +6516,7 @@
             </a:endParaRPr>
           </a:p>
           <a:p>
-            <a:pPr marL="457200" indent="-367920">
+            <a:pPr marL="457200" indent="-367560">
               <a:lnSpc>
                 <a:spcPct val="140000"/>
               </a:lnSpc>
@@ -6790,14 +6544,14 @@
       </p:sp>
       <p:sp>
         <p:nvSpPr>
-          <p:cNvPr id="58" name="Google Shape;113;g8baf1bef27_0_1"/>
+          <p:cNvPr id="55" name="Google Shape;113;g8baf1bef27_0_1"/>
           <p:cNvSpPr/>
           <p:nvPr/>
         </p:nvSpPr>
         <p:spPr>
           <a:xfrm>
             <a:off x="1028880" y="6272640"/>
-            <a:ext cx="7530840" cy="3173040"/>
+            <a:ext cx="7530480" cy="3172680"/>
           </a:xfrm>
           <a:prstGeom prst="rect">
             <a:avLst/>
@@ -6921,7 +6675,7 @@
       </p:grpSpPr>
       <p:pic>
         <p:nvPicPr>
-          <p:cNvPr id="59" name="Google Shape;118;g8baf1bef27_0_16" descr=""/>
+          <p:cNvPr id="56" name="Google Shape;118;g8baf1bef27_0_16" descr=""/>
           <p:cNvPicPr/>
           <p:nvPr/>
         </p:nvPicPr>
@@ -6932,7 +6686,7 @@
         <p:spPr>
           <a:xfrm>
             <a:off x="0" y="0"/>
-            <a:ext cx="18287640" cy="10286640"/>
+            <a:ext cx="18287280" cy="10286280"/>
           </a:xfrm>
           <a:prstGeom prst="rect">
             <a:avLst/>
@@ -6944,14 +6698,14 @@
       </p:pic>
       <p:sp>
         <p:nvSpPr>
-          <p:cNvPr id="60" name="Google Shape;119;g8baf1bef27_0_16"/>
+          <p:cNvPr id="57" name="Google Shape;119;g8baf1bef27_0_16"/>
           <p:cNvSpPr/>
           <p:nvPr/>
         </p:nvSpPr>
         <p:spPr>
           <a:xfrm>
             <a:off x="1028880" y="1019160"/>
-            <a:ext cx="13170600" cy="853920"/>
+            <a:ext cx="13170240" cy="853560"/>
           </a:xfrm>
           <a:prstGeom prst="rect">
             <a:avLst/>
@@ -6998,14 +6752,14 @@
       </p:sp>
       <p:sp>
         <p:nvSpPr>
-          <p:cNvPr id="61" name="Google Shape;120;g8baf1bef27_0_16"/>
+          <p:cNvPr id="58" name="Google Shape;120;g8baf1bef27_0_16"/>
           <p:cNvSpPr/>
           <p:nvPr/>
         </p:nvSpPr>
         <p:spPr>
           <a:xfrm>
             <a:off x="1028880" y="2470680"/>
-            <a:ext cx="12864600" cy="853920"/>
+            <a:ext cx="12864240" cy="853560"/>
           </a:xfrm>
           <a:prstGeom prst="rect">
             <a:avLst/>
@@ -7197,7 +6951,7 @@
       </p:grpSpPr>
       <p:pic>
         <p:nvPicPr>
-          <p:cNvPr id="62" name="Google Shape;125;g8baf1bef27_0_8" descr=""/>
+          <p:cNvPr id="59" name="Google Shape;125;g8baf1bef27_0_8" descr=""/>
           <p:cNvPicPr/>
           <p:nvPr/>
         </p:nvPicPr>
@@ -7208,7 +6962,7 @@
         <p:spPr>
           <a:xfrm>
             <a:off x="0" y="0"/>
-            <a:ext cx="18287640" cy="10286640"/>
+            <a:ext cx="18287280" cy="10286280"/>
           </a:xfrm>
           <a:prstGeom prst="rect">
             <a:avLst/>
@@ -7220,14 +6974,14 @@
       </p:pic>
       <p:sp>
         <p:nvSpPr>
-          <p:cNvPr id="63" name="Google Shape;126;g8baf1bef27_0_8"/>
+          <p:cNvPr id="60" name="Google Shape;126;g8baf1bef27_0_8"/>
           <p:cNvSpPr/>
           <p:nvPr/>
         </p:nvSpPr>
         <p:spPr>
           <a:xfrm>
             <a:off x="1028880" y="1828800"/>
-            <a:ext cx="10225800" cy="853920"/>
+            <a:ext cx="10225440" cy="853560"/>
           </a:xfrm>
           <a:prstGeom prst="rect">
             <a:avLst/>
@@ -7274,14 +7028,14 @@
       </p:sp>
       <p:sp>
         <p:nvSpPr>
-          <p:cNvPr id="64" name="Google Shape;127;g8baf1bef27_0_8"/>
+          <p:cNvPr id="61" name="Google Shape;127;g8baf1bef27_0_8"/>
           <p:cNvSpPr/>
           <p:nvPr/>
         </p:nvSpPr>
         <p:spPr>
           <a:xfrm>
             <a:off x="9727920" y="6272640"/>
-            <a:ext cx="7530840" cy="3278160"/>
+            <a:ext cx="7530480" cy="3277800"/>
           </a:xfrm>
           <a:prstGeom prst="rect">
             <a:avLst/>
@@ -7420,14 +7174,14 @@
       </p:sp>
       <p:sp>
         <p:nvSpPr>
-          <p:cNvPr id="65" name="Google Shape;128;g8baf1bef27_0_8"/>
+          <p:cNvPr id="62" name="Google Shape;128;g8baf1bef27_0_8"/>
           <p:cNvSpPr/>
           <p:nvPr/>
         </p:nvSpPr>
         <p:spPr>
           <a:xfrm>
             <a:off x="1028880" y="6272640"/>
-            <a:ext cx="7530840" cy="2362320"/>
+            <a:ext cx="7530480" cy="2361960"/>
           </a:xfrm>
           <a:prstGeom prst="rect">
             <a:avLst/>
@@ -7524,7 +7278,7 @@
       </p:grpSpPr>
       <p:pic>
         <p:nvPicPr>
-          <p:cNvPr id="66" name="Google Shape;133;g8baf1bef27_0_22" descr=""/>
+          <p:cNvPr id="63" name="Google Shape;133;g8baf1bef27_0_22" descr=""/>
           <p:cNvPicPr/>
           <p:nvPr/>
         </p:nvPicPr>
@@ -7535,7 +7289,7 @@
         <p:spPr>
           <a:xfrm>
             <a:off x="0" y="0"/>
-            <a:ext cx="18287640" cy="10286640"/>
+            <a:ext cx="18287280" cy="10286280"/>
           </a:xfrm>
           <a:prstGeom prst="rect">
             <a:avLst/>
@@ -7547,14 +7301,14 @@
       </p:pic>
       <p:sp>
         <p:nvSpPr>
-          <p:cNvPr id="67" name="Google Shape;134;g8baf1bef27_0_22"/>
+          <p:cNvPr id="64" name="Google Shape;134;g8baf1bef27_0_22"/>
           <p:cNvSpPr/>
           <p:nvPr/>
         </p:nvSpPr>
         <p:spPr>
           <a:xfrm>
             <a:off x="1028880" y="1019160"/>
-            <a:ext cx="13170600" cy="853920"/>
+            <a:ext cx="13170240" cy="853560"/>
           </a:xfrm>
           <a:prstGeom prst="rect">
             <a:avLst/>
@@ -7601,14 +7355,14 @@
       </p:sp>
       <p:sp>
         <p:nvSpPr>
-          <p:cNvPr id="68" name="Google Shape;135;g8baf1bef27_0_22"/>
+          <p:cNvPr id="65" name="Google Shape;135;g8baf1bef27_0_22"/>
           <p:cNvSpPr/>
           <p:nvPr/>
         </p:nvSpPr>
         <p:spPr>
           <a:xfrm>
             <a:off x="1028880" y="2470680"/>
-            <a:ext cx="12864600" cy="853920"/>
+            <a:ext cx="12864240" cy="853560"/>
           </a:xfrm>
           <a:prstGeom prst="rect">
             <a:avLst/>
@@ -7741,7 +7495,7 @@
       </p:grpSpPr>
       <p:pic>
         <p:nvPicPr>
-          <p:cNvPr id="69" name="Google Shape;140;p9" descr=""/>
+          <p:cNvPr id="66" name="Google Shape;140;p9" descr=""/>
           <p:cNvPicPr/>
           <p:nvPr/>
         </p:nvPicPr>
@@ -7752,7 +7506,7 @@
         <p:spPr>
           <a:xfrm>
             <a:off x="0" y="0"/>
-            <a:ext cx="18287640" cy="10286640"/>
+            <a:ext cx="18287280" cy="10286280"/>
           </a:xfrm>
           <a:prstGeom prst="rect">
             <a:avLst/>
@@ -7764,14 +7518,14 @@
       </p:pic>
       <p:sp>
         <p:nvSpPr>
-          <p:cNvPr id="70" name="Google Shape;141;p9"/>
+          <p:cNvPr id="67" name="Google Shape;141;p9"/>
           <p:cNvSpPr/>
           <p:nvPr/>
         </p:nvSpPr>
         <p:spPr>
           <a:xfrm>
             <a:off x="1028880" y="1828800"/>
-            <a:ext cx="10225440" cy="1023840"/>
+            <a:ext cx="10225080" cy="1023840"/>
           </a:xfrm>
           <a:prstGeom prst="rect">
             <a:avLst/>
@@ -7818,14 +7572,14 @@
       </p:sp>
       <p:sp>
         <p:nvSpPr>
-          <p:cNvPr id="71" name="Google Shape;142;p9"/>
+          <p:cNvPr id="68" name="Google Shape;142;p9"/>
           <p:cNvSpPr/>
           <p:nvPr/>
         </p:nvSpPr>
         <p:spPr>
           <a:xfrm>
             <a:off x="1028880" y="6272640"/>
-            <a:ext cx="16412760" cy="938520"/>
+            <a:ext cx="16412400" cy="938160"/>
           </a:xfrm>
           <a:prstGeom prst="rect">
             <a:avLst/>
@@ -7909,7 +7663,7 @@
       </p:grpSpPr>
       <p:pic>
         <p:nvPicPr>
-          <p:cNvPr id="72" name="Google Shape;147;g8baf1bef27_0_28" descr=""/>
+          <p:cNvPr id="69" name="Google Shape;147;g8baf1bef27_0_28" descr=""/>
           <p:cNvPicPr/>
           <p:nvPr/>
         </p:nvPicPr>
@@ -7920,7 +7674,7 @@
         <p:spPr>
           <a:xfrm>
             <a:off x="0" y="0"/>
-            <a:ext cx="18287640" cy="10286640"/>
+            <a:ext cx="18287280" cy="10286280"/>
           </a:xfrm>
           <a:prstGeom prst="rect">
             <a:avLst/>
@@ -7932,14 +7686,14 @@
       </p:pic>
       <p:sp>
         <p:nvSpPr>
-          <p:cNvPr id="73" name="Google Shape;148;g8baf1bef27_0_28"/>
+          <p:cNvPr id="70" name="Google Shape;148;g8baf1bef27_0_28"/>
           <p:cNvSpPr/>
           <p:nvPr/>
         </p:nvSpPr>
         <p:spPr>
           <a:xfrm>
             <a:off x="1028880" y="1019160"/>
-            <a:ext cx="13170600" cy="853920"/>
+            <a:ext cx="13170240" cy="853560"/>
           </a:xfrm>
           <a:prstGeom prst="rect">
             <a:avLst/>
@@ -7986,14 +7740,14 @@
       </p:sp>
       <p:sp>
         <p:nvSpPr>
-          <p:cNvPr id="74" name="Google Shape;149;g8baf1bef27_0_28"/>
+          <p:cNvPr id="71" name="Google Shape;149;g8baf1bef27_0_28"/>
           <p:cNvSpPr/>
           <p:nvPr/>
         </p:nvSpPr>
         <p:spPr>
           <a:xfrm>
             <a:off x="1028880" y="2470680"/>
-            <a:ext cx="12864600" cy="853920"/>
+            <a:ext cx="12864240" cy="853560"/>
           </a:xfrm>
           <a:prstGeom prst="rect">
             <a:avLst/>
